--- a/기획/OOTD.pptx
+++ b/기획/OOTD.pptx
@@ -8,6 +8,9 @@
     <p:sldId id="256" r:id="rId2"/>
     <p:sldId id="257" r:id="rId3"/>
     <p:sldId id="258" r:id="rId4"/>
+    <p:sldId id="259" r:id="rId5"/>
+    <p:sldId id="260" r:id="rId6"/>
+    <p:sldId id="261" r:id="rId7"/>
   </p:sldIdLst>
   <p:sldSz cx="12192000" cy="6858000"/>
   <p:notesSz cx="6858000" cy="9144000"/>
@@ -3325,6 +3328,16 @@
 <file path=ppt/slides/slide1.xml><?xml version="1.0" encoding="utf-8"?>
 <p:sld xmlns:a="http://schemas.openxmlformats.org/drawingml/2006/main" xmlns:r="http://schemas.openxmlformats.org/officeDocument/2006/relationships" xmlns:p="http://schemas.openxmlformats.org/presentationml/2006/main">
   <p:cSld>
+    <p:bg>
+      <p:bgPr>
+        <a:solidFill>
+          <a:schemeClr val="bg1">
+            <a:lumMod val="95000"/>
+          </a:schemeClr>
+        </a:solidFill>
+        <a:effectLst/>
+      </p:bgPr>
+    </p:bg>
     <p:spTree>
       <p:nvGrpSpPr>
         <p:cNvPr id="1" name=""/>
@@ -3416,6 +3429,16 @@
 <file path=ppt/slides/slide2.xml><?xml version="1.0" encoding="utf-8"?>
 <p:sld xmlns:a="http://schemas.openxmlformats.org/drawingml/2006/main" xmlns:r="http://schemas.openxmlformats.org/officeDocument/2006/relationships" xmlns:p="http://schemas.openxmlformats.org/presentationml/2006/main">
   <p:cSld>
+    <p:bg>
+      <p:bgPr>
+        <a:solidFill>
+          <a:schemeClr val="bg1">
+            <a:lumMod val="85000"/>
+          </a:schemeClr>
+        </a:solidFill>
+        <a:effectLst/>
+      </p:bgPr>
+    </p:bg>
     <p:spTree>
       <p:nvGrpSpPr>
         <p:cNvPr id="1" name=""/>
@@ -3511,6 +3534,16 @@
 <file path=ppt/slides/slide3.xml><?xml version="1.0" encoding="utf-8"?>
 <p:sld xmlns:a="http://schemas.openxmlformats.org/drawingml/2006/main" xmlns:r="http://schemas.openxmlformats.org/officeDocument/2006/relationships" xmlns:p="http://schemas.openxmlformats.org/presentationml/2006/main">
   <p:cSld>
+    <p:bg>
+      <p:bgPr>
+        <a:solidFill>
+          <a:schemeClr val="bg1">
+            <a:lumMod val="85000"/>
+          </a:schemeClr>
+        </a:solidFill>
+        <a:effectLst/>
+      </p:bgPr>
+    </p:bg>
     <p:spTree>
       <p:nvGrpSpPr>
         <p:cNvPr id="1" name=""/>
@@ -3546,32 +3579,96 @@
           <a:bodyPr/>
           <a:lstStyle/>
           <a:p>
-            <a:endParaRPr lang="ko-KR" altLang="en-US" dirty="0"/>
-          </a:p>
-        </p:txBody>
-      </p:sp>
-      <p:sp>
-        <p:nvSpPr>
-          <p:cNvPr id="3" name="내용 개체 틀 2">
-            <a:extLst>
-              <a:ext uri="{FF2B5EF4-FFF2-40B4-BE49-F238E27FC236}">
-                <a16:creationId xmlns:a16="http://schemas.microsoft.com/office/drawing/2014/main" id="{C4F0A159-E586-45E6-CD43-2BD52B5DEE04}"/>
-              </a:ext>
-            </a:extLst>
-          </p:cNvPr>
-          <p:cNvSpPr>
-            <a:spLocks noGrp="1"/>
-          </p:cNvSpPr>
-          <p:nvPr>
-            <p:ph idx="1"/>
-          </p:nvPr>
-        </p:nvSpPr>
-        <p:spPr/>
-        <p:txBody>
-          <a:bodyPr/>
-          <a:lstStyle/>
-          <a:p>
-            <a:endParaRPr lang="ko-KR" altLang="en-US"/>
+            <a:r>
+              <a:rPr lang="ko-KR" altLang="en-US" dirty="0"/>
+              <a:t>기능구현</a:t>
+            </a:r>
+          </a:p>
+        </p:txBody>
+      </p:sp>
+      <p:pic>
+        <p:nvPicPr>
+          <p:cNvPr id="7" name="그림 6">
+            <a:extLst>
+              <a:ext uri="{FF2B5EF4-FFF2-40B4-BE49-F238E27FC236}">
+                <a16:creationId xmlns:a16="http://schemas.microsoft.com/office/drawing/2014/main" id="{10FC042C-1E3A-B93F-67EC-A763BEE05699}"/>
+              </a:ext>
+            </a:extLst>
+          </p:cNvPr>
+          <p:cNvPicPr>
+            <a:picLocks noChangeAspect="1"/>
+          </p:cNvPicPr>
+          <p:nvPr/>
+        </p:nvPicPr>
+        <p:blipFill>
+          <a:blip r:embed="rId2">
+            <a:extLst>
+              <a:ext uri="{28A0092B-C50C-407E-A947-70E740481C1C}">
+                <a14:useLocalDpi xmlns:a14="http://schemas.microsoft.com/office/drawing/2010/main" val="0"/>
+              </a:ext>
+            </a:extLst>
+          </a:blip>
+          <a:stretch>
+            <a:fillRect/>
+          </a:stretch>
+        </p:blipFill>
+        <p:spPr>
+          <a:xfrm>
+            <a:off x="457200" y="1928190"/>
+            <a:ext cx="7447722" cy="3723861"/>
+          </a:xfrm>
+          <a:prstGeom prst="rect">
+            <a:avLst/>
+          </a:prstGeom>
+        </p:spPr>
+      </p:pic>
+      <p:sp>
+        <p:nvSpPr>
+          <p:cNvPr id="8" name="TextBox 7">
+            <a:extLst>
+              <a:ext uri="{FF2B5EF4-FFF2-40B4-BE49-F238E27FC236}">
+                <a16:creationId xmlns:a16="http://schemas.microsoft.com/office/drawing/2014/main" id="{387A6C4A-9F26-9DB3-6655-873068581FAB}"/>
+              </a:ext>
+            </a:extLst>
+          </p:cNvPr>
+          <p:cNvSpPr txBox="1"/>
+          <p:nvPr/>
+        </p:nvSpPr>
+        <p:spPr>
+          <a:xfrm>
+            <a:off x="8188960" y="1928190"/>
+            <a:ext cx="3545840" cy="646331"/>
+          </a:xfrm>
+          <a:prstGeom prst="rect">
+            <a:avLst/>
+          </a:prstGeom>
+          <a:noFill/>
+        </p:spPr>
+        <p:txBody>
+          <a:bodyPr wrap="square" rtlCol="0">
+            <a:spAutoFit/>
+          </a:bodyPr>
+          <a:lstStyle/>
+          <a:p>
+            <a:pPr marL="285750" indent="-285750">
+              <a:buFontTx/>
+              <a:buChar char="-"/>
+            </a:pPr>
+            <a:r>
+              <a:rPr lang="ko-KR" altLang="en-US" dirty="0"/>
+              <a:t>로그인 기능구현</a:t>
+            </a:r>
+            <a:endParaRPr lang="en-US" altLang="ko-KR" dirty="0"/>
+          </a:p>
+          <a:p>
+            <a:pPr marL="285750" indent="-285750">
+              <a:buFontTx/>
+              <a:buChar char="-"/>
+            </a:pPr>
+            <a:r>
+              <a:rPr lang="ko-KR" altLang="en-US" dirty="0"/>
+              <a:t>회원가입 페이지 이동</a:t>
+            </a:r>
           </a:p>
         </p:txBody>
       </p:sp>
@@ -3579,6 +3676,639 @@
     <p:extLst>
       <p:ext uri="{BB962C8B-B14F-4D97-AF65-F5344CB8AC3E}">
         <p14:creationId xmlns:p14="http://schemas.microsoft.com/office/powerpoint/2010/main" val="1801168780"/>
+      </p:ext>
+    </p:extLst>
+  </p:cSld>
+  <p:clrMapOvr>
+    <a:masterClrMapping/>
+  </p:clrMapOvr>
+</p:sld>
+</file>
+
+<file path=ppt/slides/slide4.xml><?xml version="1.0" encoding="utf-8"?>
+<p:sld xmlns:a="http://schemas.openxmlformats.org/drawingml/2006/main" xmlns:r="http://schemas.openxmlformats.org/officeDocument/2006/relationships" xmlns:p="http://schemas.openxmlformats.org/presentationml/2006/main">
+  <p:cSld>
+    <p:bg>
+      <p:bgPr>
+        <a:solidFill>
+          <a:schemeClr val="bg1">
+            <a:lumMod val="95000"/>
+          </a:schemeClr>
+        </a:solidFill>
+        <a:effectLst/>
+      </p:bgPr>
+    </p:bg>
+    <p:spTree>
+      <p:nvGrpSpPr>
+        <p:cNvPr id="1" name=""/>
+        <p:cNvGrpSpPr/>
+        <p:nvPr/>
+      </p:nvGrpSpPr>
+      <p:grpSpPr>
+        <a:xfrm>
+          <a:off x="0" y="0"/>
+          <a:ext cx="0" cy="0"/>
+          <a:chOff x="0" y="0"/>
+          <a:chExt cx="0" cy="0"/>
+        </a:xfrm>
+      </p:grpSpPr>
+      <p:sp>
+        <p:nvSpPr>
+          <p:cNvPr id="2" name="제목 1">
+            <a:extLst>
+              <a:ext uri="{FF2B5EF4-FFF2-40B4-BE49-F238E27FC236}">
+                <a16:creationId xmlns:a16="http://schemas.microsoft.com/office/drawing/2014/main" id="{4E5A0D3C-2C1B-1AB2-075D-5297DBE48FBD}"/>
+              </a:ext>
+            </a:extLst>
+          </p:cNvPr>
+          <p:cNvSpPr>
+            <a:spLocks noGrp="1"/>
+          </p:cNvSpPr>
+          <p:nvPr>
+            <p:ph type="title"/>
+          </p:nvPr>
+        </p:nvSpPr>
+        <p:spPr/>
+        <p:txBody>
+          <a:bodyPr/>
+          <a:lstStyle/>
+          <a:p>
+            <a:r>
+              <a:rPr lang="ko-KR" altLang="en-US" dirty="0"/>
+              <a:t>기능구현</a:t>
+            </a:r>
+          </a:p>
+        </p:txBody>
+      </p:sp>
+      <p:sp>
+        <p:nvSpPr>
+          <p:cNvPr id="8" name="TextBox 7">
+            <a:extLst>
+              <a:ext uri="{FF2B5EF4-FFF2-40B4-BE49-F238E27FC236}">
+                <a16:creationId xmlns:a16="http://schemas.microsoft.com/office/drawing/2014/main" id="{387A6C4A-9F26-9DB3-6655-873068581FAB}"/>
+              </a:ext>
+            </a:extLst>
+          </p:cNvPr>
+          <p:cNvSpPr txBox="1"/>
+          <p:nvPr/>
+        </p:nvSpPr>
+        <p:spPr>
+          <a:xfrm>
+            <a:off x="8117840" y="2121230"/>
+            <a:ext cx="3545840" cy="307777"/>
+          </a:xfrm>
+          <a:prstGeom prst="rect">
+            <a:avLst/>
+          </a:prstGeom>
+          <a:noFill/>
+        </p:spPr>
+        <p:txBody>
+          <a:bodyPr wrap="square" rtlCol="0">
+            <a:spAutoFit/>
+          </a:bodyPr>
+          <a:lstStyle/>
+          <a:p>
+            <a:pPr marL="285750" indent="-285750">
+              <a:buFontTx/>
+              <a:buChar char="-"/>
+            </a:pPr>
+            <a:r>
+              <a:rPr lang="ko-KR" altLang="en-US" sz="1400" dirty="0"/>
+              <a:t>간단한 회원가입 구현</a:t>
+            </a:r>
+            <a:r>
+              <a:rPr lang="en-US" altLang="ko-KR" sz="1400" dirty="0"/>
+              <a:t>(</a:t>
+            </a:r>
+            <a:r>
+              <a:rPr lang="ko-KR" altLang="en-US" sz="1400" dirty="0"/>
+              <a:t>인증 </a:t>
+            </a:r>
+            <a:r>
+              <a:rPr lang="ko-KR" altLang="en-US" sz="1400" dirty="0" err="1"/>
+              <a:t>미구현</a:t>
+            </a:r>
+            <a:r>
+              <a:rPr lang="en-US" altLang="ko-KR" sz="1400" dirty="0"/>
+              <a:t>)</a:t>
+            </a:r>
+            <a:endParaRPr lang="ko-KR" altLang="en-US" sz="1400" dirty="0"/>
+          </a:p>
+        </p:txBody>
+      </p:sp>
+      <p:pic>
+        <p:nvPicPr>
+          <p:cNvPr id="4" name="그림 3" descr="테이블이(가) 표시된 사진&#10;&#10;자동 생성된 설명">
+            <a:extLst>
+              <a:ext uri="{FF2B5EF4-FFF2-40B4-BE49-F238E27FC236}">
+                <a16:creationId xmlns:a16="http://schemas.microsoft.com/office/drawing/2014/main" id="{15C3706B-0544-314B-691A-4559D18B4DBD}"/>
+              </a:ext>
+            </a:extLst>
+          </p:cNvPr>
+          <p:cNvPicPr>
+            <a:picLocks noChangeAspect="1"/>
+          </p:cNvPicPr>
+          <p:nvPr/>
+        </p:nvPicPr>
+        <p:blipFill>
+          <a:blip r:embed="rId2">
+            <a:extLst>
+              <a:ext uri="{28A0092B-C50C-407E-A947-70E740481C1C}">
+                <a14:useLocalDpi xmlns:a14="http://schemas.microsoft.com/office/drawing/2010/main" val="0"/>
+              </a:ext>
+            </a:extLst>
+          </a:blip>
+          <a:stretch>
+            <a:fillRect/>
+          </a:stretch>
+        </p:blipFill>
+        <p:spPr>
+          <a:xfrm>
+            <a:off x="345440" y="1690688"/>
+            <a:ext cx="7548880" cy="3774440"/>
+          </a:xfrm>
+          <a:prstGeom prst="rect">
+            <a:avLst/>
+          </a:prstGeom>
+        </p:spPr>
+      </p:pic>
+    </p:spTree>
+    <p:extLst>
+      <p:ext uri="{BB962C8B-B14F-4D97-AF65-F5344CB8AC3E}">
+        <p14:creationId xmlns:p14="http://schemas.microsoft.com/office/powerpoint/2010/main" val="3399264878"/>
+      </p:ext>
+    </p:extLst>
+  </p:cSld>
+  <p:clrMapOvr>
+    <a:masterClrMapping/>
+  </p:clrMapOvr>
+</p:sld>
+</file>
+
+<file path=ppt/slides/slide5.xml><?xml version="1.0" encoding="utf-8"?>
+<p:sld xmlns:a="http://schemas.openxmlformats.org/drawingml/2006/main" xmlns:r="http://schemas.openxmlformats.org/officeDocument/2006/relationships" xmlns:p="http://schemas.openxmlformats.org/presentationml/2006/main">
+  <p:cSld>
+    <p:bg>
+      <p:bgPr>
+        <a:solidFill>
+          <a:schemeClr val="bg1">
+            <a:lumMod val="95000"/>
+          </a:schemeClr>
+        </a:solidFill>
+        <a:effectLst/>
+      </p:bgPr>
+    </p:bg>
+    <p:spTree>
+      <p:nvGrpSpPr>
+        <p:cNvPr id="1" name=""/>
+        <p:cNvGrpSpPr/>
+        <p:nvPr/>
+      </p:nvGrpSpPr>
+      <p:grpSpPr>
+        <a:xfrm>
+          <a:off x="0" y="0"/>
+          <a:ext cx="0" cy="0"/>
+          <a:chOff x="0" y="0"/>
+          <a:chExt cx="0" cy="0"/>
+        </a:xfrm>
+      </p:grpSpPr>
+      <p:sp>
+        <p:nvSpPr>
+          <p:cNvPr id="2" name="제목 1">
+            <a:extLst>
+              <a:ext uri="{FF2B5EF4-FFF2-40B4-BE49-F238E27FC236}">
+                <a16:creationId xmlns:a16="http://schemas.microsoft.com/office/drawing/2014/main" id="{4E5A0D3C-2C1B-1AB2-075D-5297DBE48FBD}"/>
+              </a:ext>
+            </a:extLst>
+          </p:cNvPr>
+          <p:cNvSpPr>
+            <a:spLocks noGrp="1"/>
+          </p:cNvSpPr>
+          <p:nvPr>
+            <p:ph type="title"/>
+          </p:nvPr>
+        </p:nvSpPr>
+        <p:spPr/>
+        <p:txBody>
+          <a:bodyPr/>
+          <a:lstStyle/>
+          <a:p>
+            <a:r>
+              <a:rPr lang="ko-KR" altLang="en-US" dirty="0"/>
+              <a:t>기능구현</a:t>
+            </a:r>
+          </a:p>
+        </p:txBody>
+      </p:sp>
+      <p:sp>
+        <p:nvSpPr>
+          <p:cNvPr id="8" name="TextBox 7">
+            <a:extLst>
+              <a:ext uri="{FF2B5EF4-FFF2-40B4-BE49-F238E27FC236}">
+                <a16:creationId xmlns:a16="http://schemas.microsoft.com/office/drawing/2014/main" id="{387A6C4A-9F26-9DB3-6655-873068581FAB}"/>
+              </a:ext>
+            </a:extLst>
+          </p:cNvPr>
+          <p:cNvSpPr txBox="1"/>
+          <p:nvPr/>
+        </p:nvSpPr>
+        <p:spPr>
+          <a:xfrm>
+            <a:off x="6362854" y="2763262"/>
+            <a:ext cx="5463385" cy="1077218"/>
+          </a:xfrm>
+          <a:prstGeom prst="rect">
+            <a:avLst/>
+          </a:prstGeom>
+          <a:noFill/>
+        </p:spPr>
+        <p:txBody>
+          <a:bodyPr wrap="square" rtlCol="0">
+            <a:spAutoFit/>
+          </a:bodyPr>
+          <a:lstStyle/>
+          <a:p>
+            <a:pPr marL="342900" indent="-342900">
+              <a:buAutoNum type="arabicPeriod"/>
+            </a:pPr>
+            <a:r>
+              <a:rPr lang="ko-KR" altLang="en-US" sz="1600" dirty="0"/>
+              <a:t>나의 옷장에 등록된 옷을 카테고리별로 분류</a:t>
+            </a:r>
+            <a:endParaRPr lang="en-US" altLang="ko-KR" sz="1600" dirty="0"/>
+          </a:p>
+          <a:p>
+            <a:pPr marL="342900" indent="-342900">
+              <a:buAutoNum type="arabicPeriod"/>
+            </a:pPr>
+            <a:r>
+              <a:rPr lang="ko-KR" altLang="en-US" sz="1600" dirty="0"/>
+              <a:t>등록된 옷의 이미지를 클릭 시 선택하여 아래 표시</a:t>
+            </a:r>
+            <a:endParaRPr lang="en-US" altLang="ko-KR" sz="1600" dirty="0"/>
+          </a:p>
+          <a:p>
+            <a:pPr marL="342900" indent="-342900">
+              <a:buAutoNum type="arabicPeriod"/>
+            </a:pPr>
+            <a:r>
+              <a:rPr lang="ko-KR" altLang="en-US" sz="1600" dirty="0"/>
+              <a:t>클릭 된 옷들을 모아 보여주는 공간</a:t>
+            </a:r>
+            <a:endParaRPr lang="en-US" altLang="ko-KR" sz="1600" dirty="0"/>
+          </a:p>
+          <a:p>
+            <a:pPr marL="342900" indent="-342900">
+              <a:buAutoNum type="arabicPeriod"/>
+            </a:pPr>
+            <a:r>
+              <a:rPr lang="ko-KR" altLang="en-US" sz="1600" dirty="0"/>
+              <a:t>새로운 옷을 옷장에 등록하는 페이지로 이동</a:t>
+            </a:r>
+            <a:endParaRPr lang="en-US" altLang="ko-KR" sz="1600" dirty="0"/>
+          </a:p>
+        </p:txBody>
+      </p:sp>
+      <p:pic>
+        <p:nvPicPr>
+          <p:cNvPr id="4" name="그림 3">
+            <a:extLst>
+              <a:ext uri="{FF2B5EF4-FFF2-40B4-BE49-F238E27FC236}">
+                <a16:creationId xmlns:a16="http://schemas.microsoft.com/office/drawing/2014/main" id="{820CBF56-2BBD-8EB9-4CA2-FC1AB48744D3}"/>
+              </a:ext>
+            </a:extLst>
+          </p:cNvPr>
+          <p:cNvPicPr>
+            <a:picLocks noChangeAspect="1"/>
+          </p:cNvPicPr>
+          <p:nvPr/>
+        </p:nvPicPr>
+        <p:blipFill>
+          <a:blip r:embed="rId2">
+            <a:extLst>
+              <a:ext uri="{28A0092B-C50C-407E-A947-70E740481C1C}">
+                <a14:useLocalDpi xmlns:a14="http://schemas.microsoft.com/office/drawing/2010/main" val="0"/>
+              </a:ext>
+            </a:extLst>
+          </a:blip>
+          <a:stretch>
+            <a:fillRect/>
+          </a:stretch>
+        </p:blipFill>
+        <p:spPr>
+          <a:xfrm>
+            <a:off x="1795627" y="1432560"/>
+            <a:ext cx="4414827" cy="4815840"/>
+          </a:xfrm>
+          <a:prstGeom prst="rect">
+            <a:avLst/>
+          </a:prstGeom>
+        </p:spPr>
+      </p:pic>
+      <p:sp>
+        <p:nvSpPr>
+          <p:cNvPr id="5" name="TextBox 4">
+            <a:extLst>
+              <a:ext uri="{FF2B5EF4-FFF2-40B4-BE49-F238E27FC236}">
+                <a16:creationId xmlns:a16="http://schemas.microsoft.com/office/drawing/2014/main" id="{858D7EA1-A8EF-CFD7-E26E-B978258ACF0A}"/>
+              </a:ext>
+            </a:extLst>
+          </p:cNvPr>
+          <p:cNvSpPr txBox="1"/>
+          <p:nvPr/>
+        </p:nvSpPr>
+        <p:spPr>
+          <a:xfrm>
+            <a:off x="2367433" y="1845124"/>
+            <a:ext cx="406400" cy="369332"/>
+          </a:xfrm>
+          <a:prstGeom prst="rect">
+            <a:avLst/>
+          </a:prstGeom>
+          <a:noFill/>
+        </p:spPr>
+        <p:txBody>
+          <a:bodyPr wrap="square" rtlCol="0">
+            <a:spAutoFit/>
+          </a:bodyPr>
+          <a:lstStyle/>
+          <a:p>
+            <a:r>
+              <a:rPr lang="ko-KR" altLang="en-US" dirty="0">
+                <a:latin typeface="맑은 고딕" panose="020B0503020000020004" pitchFamily="50" charset="-127"/>
+                <a:ea typeface="맑은 고딕" panose="020B0503020000020004" pitchFamily="50" charset="-127"/>
+              </a:rPr>
+              <a:t>①</a:t>
+            </a:r>
+            <a:endParaRPr lang="ko-KR" altLang="en-US" dirty="0"/>
+          </a:p>
+        </p:txBody>
+      </p:sp>
+      <p:sp>
+        <p:nvSpPr>
+          <p:cNvPr id="6" name="TextBox 5">
+            <a:extLst>
+              <a:ext uri="{FF2B5EF4-FFF2-40B4-BE49-F238E27FC236}">
+                <a16:creationId xmlns:a16="http://schemas.microsoft.com/office/drawing/2014/main" id="{A2F9E65C-35BC-D797-1AF0-D9D34468BD01}"/>
+              </a:ext>
+            </a:extLst>
+          </p:cNvPr>
+          <p:cNvSpPr txBox="1"/>
+          <p:nvPr/>
+        </p:nvSpPr>
+        <p:spPr>
+          <a:xfrm>
+            <a:off x="2367433" y="3840480"/>
+            <a:ext cx="406400" cy="369332"/>
+          </a:xfrm>
+          <a:prstGeom prst="rect">
+            <a:avLst/>
+          </a:prstGeom>
+          <a:noFill/>
+        </p:spPr>
+        <p:txBody>
+          <a:bodyPr wrap="square" rtlCol="0">
+            <a:spAutoFit/>
+          </a:bodyPr>
+          <a:lstStyle/>
+          <a:p>
+            <a:r>
+              <a:rPr lang="ko-KR" altLang="en-US" dirty="0">
+                <a:latin typeface="맑은 고딕" panose="020B0503020000020004" pitchFamily="50" charset="-127"/>
+                <a:ea typeface="맑은 고딕" panose="020B0503020000020004" pitchFamily="50" charset="-127"/>
+              </a:rPr>
+              <a:t>③</a:t>
+            </a:r>
+            <a:endParaRPr lang="ko-KR" altLang="en-US" dirty="0"/>
+          </a:p>
+        </p:txBody>
+      </p:sp>
+      <p:sp>
+        <p:nvSpPr>
+          <p:cNvPr id="9" name="TextBox 8">
+            <a:extLst>
+              <a:ext uri="{FF2B5EF4-FFF2-40B4-BE49-F238E27FC236}">
+                <a16:creationId xmlns:a16="http://schemas.microsoft.com/office/drawing/2014/main" id="{17F0AA9E-5F79-E172-428E-EC42E04543D6}"/>
+              </a:ext>
+            </a:extLst>
+          </p:cNvPr>
+          <p:cNvSpPr txBox="1"/>
+          <p:nvPr/>
+        </p:nvSpPr>
+        <p:spPr>
+          <a:xfrm>
+            <a:off x="2367433" y="2388791"/>
+            <a:ext cx="406400" cy="369332"/>
+          </a:xfrm>
+          <a:prstGeom prst="rect">
+            <a:avLst/>
+          </a:prstGeom>
+          <a:noFill/>
+        </p:spPr>
+        <p:txBody>
+          <a:bodyPr wrap="square" rtlCol="0">
+            <a:spAutoFit/>
+          </a:bodyPr>
+          <a:lstStyle/>
+          <a:p>
+            <a:r>
+              <a:rPr lang="ko-KR" altLang="en-US" dirty="0">
+                <a:latin typeface="맑은 고딕" panose="020B0503020000020004" pitchFamily="50" charset="-127"/>
+                <a:ea typeface="맑은 고딕" panose="020B0503020000020004" pitchFamily="50" charset="-127"/>
+              </a:rPr>
+              <a:t>②</a:t>
+            </a:r>
+            <a:endParaRPr lang="ko-KR" altLang="en-US" dirty="0"/>
+          </a:p>
+        </p:txBody>
+      </p:sp>
+      <p:sp>
+        <p:nvSpPr>
+          <p:cNvPr id="10" name="TextBox 9">
+            <a:extLst>
+              <a:ext uri="{FF2B5EF4-FFF2-40B4-BE49-F238E27FC236}">
+                <a16:creationId xmlns:a16="http://schemas.microsoft.com/office/drawing/2014/main" id="{BD0CFA14-BBDA-6F0D-FB2D-7DB9B77DB11D}"/>
+              </a:ext>
+            </a:extLst>
+          </p:cNvPr>
+          <p:cNvSpPr txBox="1"/>
+          <p:nvPr/>
+        </p:nvSpPr>
+        <p:spPr>
+          <a:xfrm>
+            <a:off x="4904739" y="1580158"/>
+            <a:ext cx="406400" cy="369332"/>
+          </a:xfrm>
+          <a:prstGeom prst="rect">
+            <a:avLst/>
+          </a:prstGeom>
+          <a:noFill/>
+        </p:spPr>
+        <p:txBody>
+          <a:bodyPr wrap="square" rtlCol="0">
+            <a:spAutoFit/>
+          </a:bodyPr>
+          <a:lstStyle/>
+          <a:p>
+            <a:r>
+              <a:rPr lang="ko-KR" altLang="en-US" dirty="0">
+                <a:latin typeface="맑은 고딕" panose="020B0503020000020004" pitchFamily="50" charset="-127"/>
+                <a:ea typeface="맑은 고딕" panose="020B0503020000020004" pitchFamily="50" charset="-127"/>
+              </a:rPr>
+              <a:t>④</a:t>
+            </a:r>
+            <a:endParaRPr lang="ko-KR" altLang="en-US" dirty="0"/>
+          </a:p>
+        </p:txBody>
+      </p:sp>
+    </p:spTree>
+    <p:extLst>
+      <p:ext uri="{BB962C8B-B14F-4D97-AF65-F5344CB8AC3E}">
+        <p14:creationId xmlns:p14="http://schemas.microsoft.com/office/powerpoint/2010/main" val="758453257"/>
+      </p:ext>
+    </p:extLst>
+  </p:cSld>
+  <p:clrMapOvr>
+    <a:masterClrMapping/>
+  </p:clrMapOvr>
+</p:sld>
+</file>
+
+<file path=ppt/slides/slide6.xml><?xml version="1.0" encoding="utf-8"?>
+<p:sld xmlns:a="http://schemas.openxmlformats.org/drawingml/2006/main" xmlns:r="http://schemas.openxmlformats.org/officeDocument/2006/relationships" xmlns:p="http://schemas.openxmlformats.org/presentationml/2006/main">
+  <p:cSld>
+    <p:bg>
+      <p:bgPr>
+        <a:solidFill>
+          <a:schemeClr val="bg1">
+            <a:lumMod val="95000"/>
+          </a:schemeClr>
+        </a:solidFill>
+        <a:effectLst/>
+      </p:bgPr>
+    </p:bg>
+    <p:spTree>
+      <p:nvGrpSpPr>
+        <p:cNvPr id="1" name=""/>
+        <p:cNvGrpSpPr/>
+        <p:nvPr/>
+      </p:nvGrpSpPr>
+      <p:grpSpPr>
+        <a:xfrm>
+          <a:off x="0" y="0"/>
+          <a:ext cx="0" cy="0"/>
+          <a:chOff x="0" y="0"/>
+          <a:chExt cx="0" cy="0"/>
+        </a:xfrm>
+      </p:grpSpPr>
+      <p:sp>
+        <p:nvSpPr>
+          <p:cNvPr id="2" name="제목 1">
+            <a:extLst>
+              <a:ext uri="{FF2B5EF4-FFF2-40B4-BE49-F238E27FC236}">
+                <a16:creationId xmlns:a16="http://schemas.microsoft.com/office/drawing/2014/main" id="{4E5A0D3C-2C1B-1AB2-075D-5297DBE48FBD}"/>
+              </a:ext>
+            </a:extLst>
+          </p:cNvPr>
+          <p:cNvSpPr>
+            <a:spLocks noGrp="1"/>
+          </p:cNvSpPr>
+          <p:nvPr>
+            <p:ph type="title"/>
+          </p:nvPr>
+        </p:nvSpPr>
+        <p:spPr/>
+        <p:txBody>
+          <a:bodyPr/>
+          <a:lstStyle/>
+          <a:p>
+            <a:r>
+              <a:rPr lang="ko-KR" altLang="en-US" dirty="0"/>
+              <a:t>기능구현</a:t>
+            </a:r>
+          </a:p>
+        </p:txBody>
+      </p:sp>
+      <p:sp>
+        <p:nvSpPr>
+          <p:cNvPr id="8" name="TextBox 7">
+            <a:extLst>
+              <a:ext uri="{FF2B5EF4-FFF2-40B4-BE49-F238E27FC236}">
+                <a16:creationId xmlns:a16="http://schemas.microsoft.com/office/drawing/2014/main" id="{387A6C4A-9F26-9DB3-6655-873068581FAB}"/>
+              </a:ext>
+            </a:extLst>
+          </p:cNvPr>
+          <p:cNvSpPr txBox="1"/>
+          <p:nvPr/>
+        </p:nvSpPr>
+        <p:spPr>
+          <a:xfrm>
+            <a:off x="6606694" y="2763262"/>
+            <a:ext cx="5463385" cy="338554"/>
+          </a:xfrm>
+          <a:prstGeom prst="rect">
+            <a:avLst/>
+          </a:prstGeom>
+          <a:noFill/>
+        </p:spPr>
+        <p:txBody>
+          <a:bodyPr wrap="square" rtlCol="0">
+            <a:spAutoFit/>
+          </a:bodyPr>
+          <a:lstStyle/>
+          <a:p>
+            <a:pPr marL="285750" indent="-285750">
+              <a:buFontTx/>
+              <a:buChar char="-"/>
+            </a:pPr>
+            <a:r>
+              <a:rPr lang="ko-KR" altLang="en-US" sz="1600" dirty="0"/>
+              <a:t>새로운 옷의 이미지와 카테고리를 등록하는 기능</a:t>
+            </a:r>
+            <a:endParaRPr lang="en-US" altLang="ko-KR" sz="1600" dirty="0"/>
+          </a:p>
+        </p:txBody>
+      </p:sp>
+      <p:pic>
+        <p:nvPicPr>
+          <p:cNvPr id="7" name="그림 6">
+            <a:extLst>
+              <a:ext uri="{FF2B5EF4-FFF2-40B4-BE49-F238E27FC236}">
+                <a16:creationId xmlns:a16="http://schemas.microsoft.com/office/drawing/2014/main" id="{86B031DF-E9B2-6B59-AC24-4A3B25A70578}"/>
+              </a:ext>
+            </a:extLst>
+          </p:cNvPr>
+          <p:cNvPicPr>
+            <a:picLocks noChangeAspect="1"/>
+          </p:cNvPicPr>
+          <p:nvPr/>
+        </p:nvPicPr>
+        <p:blipFill>
+          <a:blip r:embed="rId2">
+            <a:extLst>
+              <a:ext uri="{28A0092B-C50C-407E-A947-70E740481C1C}">
+                <a14:useLocalDpi xmlns:a14="http://schemas.microsoft.com/office/drawing/2010/main" val="0"/>
+              </a:ext>
+            </a:extLst>
+          </a:blip>
+          <a:stretch>
+            <a:fillRect/>
+          </a:stretch>
+        </p:blipFill>
+        <p:spPr>
+          <a:xfrm>
+            <a:off x="426720" y="1905000"/>
+            <a:ext cx="6096000" cy="3048000"/>
+          </a:xfrm>
+          <a:prstGeom prst="rect">
+            <a:avLst/>
+          </a:prstGeom>
+        </p:spPr>
+      </p:pic>
+    </p:spTree>
+    <p:extLst>
+      <p:ext uri="{BB962C8B-B14F-4D97-AF65-F5344CB8AC3E}">
+        <p14:creationId xmlns:p14="http://schemas.microsoft.com/office/powerpoint/2010/main" val="2252097906"/>
       </p:ext>
     </p:extLst>
   </p:cSld>

--- a/기획/OOTD.pptx
+++ b/기획/OOTD.pptx
@@ -8,9 +8,8 @@
     <p:sldId id="256" r:id="rId2"/>
     <p:sldId id="257" r:id="rId3"/>
     <p:sldId id="258" r:id="rId4"/>
-    <p:sldId id="259" r:id="rId5"/>
-    <p:sldId id="260" r:id="rId6"/>
-    <p:sldId id="261" r:id="rId7"/>
+    <p:sldId id="260" r:id="rId5"/>
+    <p:sldId id="261" r:id="rId6"/>
   </p:sldIdLst>
   <p:sldSz cx="12192000" cy="6858000"/>
   <p:notesSz cx="6858000" cy="9144000"/>
@@ -111,18 +110,7 @@
   </p:defaultTextStyle>
   <p:extLst>
     <p:ext uri="{EFAFB233-063F-42B5-8137-9DF3F51BA10A}">
-      <p15:sldGuideLst xmlns:p15="http://schemas.microsoft.com/office/powerpoint/2012/main">
-        <p15:guide id="1" orient="horz" pos="2160" userDrawn="1">
-          <p15:clr>
-            <a:srgbClr val="A4A3A4"/>
-          </p15:clr>
-        </p15:guide>
-        <p15:guide id="2" pos="3840" userDrawn="1">
-          <p15:clr>
-            <a:srgbClr val="A4A3A4"/>
-          </p15:clr>
-        </p15:guide>
-      </p15:sldGuideLst>
+      <p15:sldGuideLst xmlns:p15="http://schemas.microsoft.com/office/powerpoint/2012/main"/>
     </p:ext>
   </p:extLst>
 </p:presentation>
@@ -3332,7 +3320,7 @@
       <p:bgPr>
         <a:solidFill>
           <a:schemeClr val="bg1">
-            <a:lumMod val="95000"/>
+            <a:lumMod val="85000"/>
           </a:schemeClr>
         </a:solidFill>
         <a:effectLst/>
@@ -3368,16 +3356,39 @@
             <p:ph type="ctrTitle"/>
           </p:nvPr>
         </p:nvSpPr>
-        <p:spPr/>
+        <p:spPr>
+          <a:xfrm>
+            <a:off x="4530012" y="1670178"/>
+            <a:ext cx="3131976" cy="1009359"/>
+          </a:xfrm>
+        </p:spPr>
         <p:txBody>
           <a:bodyPr/>
           <a:lstStyle/>
           <a:p>
             <a:r>
-              <a:rPr lang="en-US" altLang="ko-KR" dirty="0"/>
+              <a:rPr lang="en-US" altLang="ko-KR" dirty="0">
+                <a:solidFill>
+                  <a:schemeClr val="tx1">
+                    <a:lumMod val="75000"/>
+                    <a:lumOff val="25000"/>
+                  </a:schemeClr>
+                </a:solidFill>
+                <a:latin typeface="Noto Sans KR Regular" panose="020B0500000000000000" pitchFamily="34" charset="-127"/>
+                <a:ea typeface="Noto Sans KR Regular" panose="020B0500000000000000" pitchFamily="34" charset="-127"/>
+              </a:rPr>
               <a:t>OOTD</a:t>
             </a:r>
-            <a:endParaRPr lang="ko-KR" altLang="en-US" dirty="0"/>
+            <a:endParaRPr lang="ko-KR" altLang="en-US" dirty="0">
+              <a:solidFill>
+                <a:schemeClr val="tx1">
+                  <a:lumMod val="75000"/>
+                  <a:lumOff val="25000"/>
+                </a:schemeClr>
+              </a:solidFill>
+              <a:latin typeface="Noto Sans KR Regular" panose="020B0500000000000000" pitchFamily="34" charset="-127"/>
+              <a:ea typeface="Noto Sans KR Regular" panose="020B0500000000000000" pitchFamily="34" charset="-127"/>
+            </a:endParaRPr>
           </a:p>
         </p:txBody>
       </p:sp>
@@ -3397,19 +3408,160 @@
             <p:ph type="subTitle" idx="1"/>
           </p:nvPr>
         </p:nvSpPr>
-        <p:spPr/>
-        <p:txBody>
-          <a:bodyPr/>
-          <a:lstStyle/>
-          <a:p>
-            <a:r>
-              <a:rPr lang="en-US" altLang="ko-KR" dirty="0"/>
+        <p:spPr>
+          <a:xfrm>
+            <a:off x="2817694" y="3738144"/>
+            <a:ext cx="6556611" cy="2028500"/>
+          </a:xfrm>
+        </p:spPr>
+        <p:txBody>
+          <a:bodyPr>
+            <a:normAutofit/>
+          </a:bodyPr>
+          <a:lstStyle/>
+          <a:p>
+            <a:r>
+              <a:rPr lang="en-US" altLang="ko-KR" sz="2000" dirty="0">
+                <a:solidFill>
+                  <a:srgbClr val="FF3300"/>
+                </a:solidFill>
+                <a:latin typeface="Noto Sans KR Regular" panose="020B0500000000000000" pitchFamily="34" charset="-127"/>
+                <a:ea typeface="Noto Sans KR Regular" panose="020B0500000000000000" pitchFamily="34" charset="-127"/>
+              </a:rPr>
+              <a:t>RED</a:t>
+            </a:r>
+            <a:r>
+              <a:rPr lang="en-US" altLang="ko-KR" sz="2000" dirty="0">
+                <a:solidFill>
+                  <a:srgbClr val="FF0000"/>
+                </a:solidFill>
+                <a:latin typeface="Noto Sans KR Regular" panose="020B0500000000000000" pitchFamily="34" charset="-127"/>
+                <a:ea typeface="Noto Sans KR Regular" panose="020B0500000000000000" pitchFamily="34" charset="-127"/>
+              </a:rPr>
+              <a:t>  </a:t>
+            </a:r>
+            <a:r>
+              <a:rPr lang="en-US" altLang="ko-KR" sz="2000" dirty="0">
+                <a:latin typeface="Noto Sans KR Regular" panose="020B0500000000000000" pitchFamily="34" charset="-127"/>
+                <a:ea typeface="Noto Sans KR Regular" panose="020B0500000000000000" pitchFamily="34" charset="-127"/>
+              </a:rPr>
               <a:t>3</a:t>
             </a:r>
             <a:r>
-              <a:rPr lang="ko-KR" altLang="en-US" dirty="0"/>
+              <a:rPr lang="ko-KR" altLang="en-US" sz="2000" dirty="0">
+                <a:latin typeface="Noto Sans KR Regular" panose="020B0500000000000000" pitchFamily="34" charset="-127"/>
+                <a:ea typeface="Noto Sans KR Regular" panose="020B0500000000000000" pitchFamily="34" charset="-127"/>
+              </a:rPr>
               <a:t>팀</a:t>
             </a:r>
+            <a:endParaRPr lang="en-US" altLang="ko-KR" sz="2000" dirty="0">
+              <a:latin typeface="Noto Sans KR Regular" panose="020B0500000000000000" pitchFamily="34" charset="-127"/>
+              <a:ea typeface="Noto Sans KR Regular" panose="020B0500000000000000" pitchFamily="34" charset="-127"/>
+            </a:endParaRPr>
+          </a:p>
+          <a:p>
+            <a:endParaRPr lang="en-US" altLang="ko-KR" sz="2000" dirty="0">
+              <a:latin typeface="Noto Sans KR Regular" panose="020B0500000000000000" pitchFamily="34" charset="-127"/>
+              <a:ea typeface="Noto Sans KR Regular" panose="020B0500000000000000" pitchFamily="34" charset="-127"/>
+            </a:endParaRPr>
+          </a:p>
+          <a:p>
+            <a:r>
+              <a:rPr lang="ko-KR" altLang="en-US" sz="2000" dirty="0" err="1">
+                <a:latin typeface="Noto Sans KR Thin" panose="020B0200000000000000" pitchFamily="34" charset="-127"/>
+                <a:ea typeface="Noto Sans KR Thin" panose="020B0200000000000000" pitchFamily="34" charset="-127"/>
+              </a:rPr>
+              <a:t>김다솔</a:t>
+            </a:r>
+            <a:r>
+              <a:rPr lang="ko-KR" altLang="en-US" sz="2000" dirty="0">
+                <a:latin typeface="Noto Sans KR Thin" panose="020B0200000000000000" pitchFamily="34" charset="-127"/>
+                <a:ea typeface="Noto Sans KR Thin" panose="020B0200000000000000" pitchFamily="34" charset="-127"/>
+              </a:rPr>
+              <a:t>  </a:t>
+            </a:r>
+            <a:r>
+              <a:rPr lang="en-US" altLang="ko-KR" sz="2000" dirty="0">
+                <a:latin typeface="Noto Sans KR Thin" panose="020B0200000000000000" pitchFamily="34" charset="-127"/>
+                <a:ea typeface="Noto Sans KR Thin" panose="020B0200000000000000" pitchFamily="34" charset="-127"/>
+              </a:rPr>
+              <a:t>_</a:t>
+            </a:r>
+            <a:r>
+              <a:rPr lang="ko-KR" altLang="en-US" sz="2000" dirty="0">
+                <a:latin typeface="Noto Sans KR Thin" panose="020B0200000000000000" pitchFamily="34" charset="-127"/>
+                <a:ea typeface="Noto Sans KR Thin" panose="020B0200000000000000" pitchFamily="34" charset="-127"/>
+              </a:rPr>
+              <a:t>  박주환  </a:t>
+            </a:r>
+            <a:r>
+              <a:rPr lang="en-US" altLang="ko-KR" sz="2000" dirty="0">
+                <a:latin typeface="Noto Sans KR Thin" panose="020B0200000000000000" pitchFamily="34" charset="-127"/>
+                <a:ea typeface="Noto Sans KR Thin" panose="020B0200000000000000" pitchFamily="34" charset="-127"/>
+              </a:rPr>
+              <a:t>_  </a:t>
+            </a:r>
+            <a:r>
+              <a:rPr lang="ko-KR" altLang="en-US" sz="2000" dirty="0">
+                <a:latin typeface="Noto Sans KR Thin" panose="020B0200000000000000" pitchFamily="34" charset="-127"/>
+                <a:ea typeface="Noto Sans KR Thin" panose="020B0200000000000000" pitchFamily="34" charset="-127"/>
+              </a:rPr>
+              <a:t>성현식</a:t>
+            </a:r>
+          </a:p>
+        </p:txBody>
+      </p:sp>
+      <p:sp>
+        <p:nvSpPr>
+          <p:cNvPr id="4" name="TextBox 3">
+            <a:extLst>
+              <a:ext uri="{FF2B5EF4-FFF2-40B4-BE49-F238E27FC236}">
+                <a16:creationId xmlns:a16="http://schemas.microsoft.com/office/drawing/2014/main" id="{F500C72C-C72B-3F45-1FA4-C6FEC28E6B00}"/>
+              </a:ext>
+            </a:extLst>
+          </p:cNvPr>
+          <p:cNvSpPr txBox="1"/>
+          <p:nvPr/>
+        </p:nvSpPr>
+        <p:spPr>
+          <a:xfrm>
+            <a:off x="9989575" y="137652"/>
+            <a:ext cx="2123767" cy="369332"/>
+          </a:xfrm>
+          <a:prstGeom prst="rect">
+            <a:avLst/>
+          </a:prstGeom>
+          <a:noFill/>
+        </p:spPr>
+        <p:txBody>
+          <a:bodyPr wrap="square" rtlCol="0">
+            <a:spAutoFit/>
+          </a:bodyPr>
+          <a:lstStyle/>
+          <a:p>
+            <a:r>
+              <a:rPr lang="en-US" altLang="ko-KR" dirty="0">
+                <a:solidFill>
+                  <a:schemeClr val="tx1">
+                    <a:lumMod val="65000"/>
+                    <a:lumOff val="35000"/>
+                  </a:schemeClr>
+                </a:solidFill>
+                <a:latin typeface="Noto Sans KR Regular" panose="020B0500000000000000" pitchFamily="34" charset="-127"/>
+                <a:ea typeface="Noto Sans KR Regular" panose="020B0500000000000000" pitchFamily="34" charset="-127"/>
+              </a:rPr>
+              <a:t>KRAFTON JUNGLE</a:t>
+            </a:r>
+            <a:endParaRPr lang="ko-KR" altLang="en-US" dirty="0">
+              <a:solidFill>
+                <a:schemeClr val="tx1">
+                  <a:lumMod val="65000"/>
+                  <a:lumOff val="35000"/>
+                </a:schemeClr>
+              </a:solidFill>
+              <a:latin typeface="Noto Sans KR Regular" panose="020B0500000000000000" pitchFamily="34" charset="-127"/>
+              <a:ea typeface="Noto Sans KR Regular" panose="020B0500000000000000" pitchFamily="34" charset="-127"/>
+            </a:endParaRPr>
           </a:p>
         </p:txBody>
       </p:sp>
@@ -3469,35 +3621,12 @@
             <p:ph type="title"/>
           </p:nvPr>
         </p:nvSpPr>
-        <p:spPr/>
-        <p:txBody>
-          <a:bodyPr/>
-          <a:lstStyle/>
-          <a:p>
-            <a:r>
-              <a:rPr lang="ko-KR" altLang="en-US" dirty="0"/>
-              <a:t>기획의도</a:t>
-            </a:r>
-          </a:p>
-        </p:txBody>
-      </p:sp>
-      <p:sp>
-        <p:nvSpPr>
-          <p:cNvPr id="3" name="내용 개체 틀 2">
-            <a:extLst>
-              <a:ext uri="{FF2B5EF4-FFF2-40B4-BE49-F238E27FC236}">
-                <a16:creationId xmlns:a16="http://schemas.microsoft.com/office/drawing/2014/main" id="{D0EA4A67-43E2-D165-D449-C384C5F2D642}"/>
-              </a:ext>
-            </a:extLst>
-          </p:cNvPr>
-          <p:cNvSpPr>
-            <a:spLocks noGrp="1"/>
-          </p:cNvSpPr>
-          <p:nvPr>
-            <p:ph idx="1"/>
-          </p:nvPr>
-        </p:nvSpPr>
-        <p:spPr/>
+        <p:spPr>
+          <a:xfrm>
+            <a:off x="206478" y="137652"/>
+            <a:ext cx="2546555" cy="875071"/>
+          </a:xfrm>
+        </p:spPr>
         <p:txBody>
           <a:bodyPr>
             <a:normAutofit/>
@@ -3505,15 +3634,149 @@
           <a:lstStyle/>
           <a:p>
             <a:r>
-              <a:rPr lang="ko-KR" altLang="en-US" sz="2000" dirty="0"/>
+              <a:rPr lang="ko-KR" altLang="en-US" sz="3600" dirty="0">
+                <a:latin typeface="Noto Sans KR Regular" panose="020B0500000000000000" pitchFamily="34" charset="-127"/>
+                <a:ea typeface="Noto Sans KR Regular" panose="020B0500000000000000" pitchFamily="34" charset="-127"/>
+              </a:rPr>
+              <a:t>기획의도</a:t>
+            </a:r>
+          </a:p>
+        </p:txBody>
+      </p:sp>
+      <p:sp>
+        <p:nvSpPr>
+          <p:cNvPr id="3" name="내용 개체 틀 2">
+            <a:extLst>
+              <a:ext uri="{FF2B5EF4-FFF2-40B4-BE49-F238E27FC236}">
+                <a16:creationId xmlns:a16="http://schemas.microsoft.com/office/drawing/2014/main" id="{D0EA4A67-43E2-D165-D449-C384C5F2D642}"/>
+              </a:ext>
+            </a:extLst>
+          </p:cNvPr>
+          <p:cNvSpPr>
+            <a:spLocks noGrp="1"/>
+          </p:cNvSpPr>
+          <p:nvPr>
+            <p:ph idx="1"/>
+          </p:nvPr>
+        </p:nvSpPr>
+        <p:spPr>
+          <a:xfrm>
+            <a:off x="1685002" y="2898058"/>
+            <a:ext cx="8821993" cy="530942"/>
+          </a:xfrm>
+        </p:spPr>
+        <p:txBody>
+          <a:bodyPr>
+            <a:noAutofit/>
+          </a:bodyPr>
+          <a:lstStyle/>
+          <a:p>
+            <a:pPr marL="0" indent="0" algn="ctr">
+              <a:buNone/>
+            </a:pPr>
+            <a:r>
+              <a:rPr lang="ko-KR" altLang="en-US" sz="2400" dirty="0">
+                <a:latin typeface="Noto Sans KR Thin" panose="020B0200000000000000" pitchFamily="34" charset="-127"/>
+                <a:ea typeface="Noto Sans KR Thin" panose="020B0200000000000000" pitchFamily="34" charset="-127"/>
+              </a:rPr>
               <a:t>내 옷장에 무슨 옷이 있는지 잘 모르는 현대인들을 위한 온라인 옷장</a:t>
             </a:r>
-            <a:endParaRPr lang="en-US" altLang="ko-KR" sz="2000" dirty="0"/>
-          </a:p>
-          <a:p>
-            <a:r>
-              <a:rPr lang="ko-KR" altLang="en-US" sz="2000" dirty="0"/>
-              <a:t>직접 꺼내지 않아도 시각적으로 옆에 두고 확인 가능</a:t>
+            <a:endParaRPr lang="en-US" altLang="ko-KR" sz="2400" dirty="0">
+              <a:latin typeface="Noto Sans KR Thin" panose="020B0200000000000000" pitchFamily="34" charset="-127"/>
+              <a:ea typeface="Noto Sans KR Thin" panose="020B0200000000000000" pitchFamily="34" charset="-127"/>
+            </a:endParaRPr>
+          </a:p>
+        </p:txBody>
+      </p:sp>
+      <p:sp>
+        <p:nvSpPr>
+          <p:cNvPr id="4" name="TextBox 3">
+            <a:extLst>
+              <a:ext uri="{FF2B5EF4-FFF2-40B4-BE49-F238E27FC236}">
+                <a16:creationId xmlns:a16="http://schemas.microsoft.com/office/drawing/2014/main" id="{D6710BD0-FEF8-2037-D39F-A1DCB0D3FDE1}"/>
+              </a:ext>
+            </a:extLst>
+          </p:cNvPr>
+          <p:cNvSpPr txBox="1"/>
+          <p:nvPr/>
+        </p:nvSpPr>
+        <p:spPr>
+          <a:xfrm>
+            <a:off x="9989575" y="137652"/>
+            <a:ext cx="2123767" cy="369332"/>
+          </a:xfrm>
+          <a:prstGeom prst="rect">
+            <a:avLst/>
+          </a:prstGeom>
+          <a:noFill/>
+        </p:spPr>
+        <p:txBody>
+          <a:bodyPr wrap="square" rtlCol="0">
+            <a:spAutoFit/>
+          </a:bodyPr>
+          <a:lstStyle/>
+          <a:p>
+            <a:r>
+              <a:rPr lang="en-US" altLang="ko-KR" dirty="0">
+                <a:solidFill>
+                  <a:schemeClr val="tx1">
+                    <a:lumMod val="65000"/>
+                    <a:lumOff val="35000"/>
+                  </a:schemeClr>
+                </a:solidFill>
+                <a:latin typeface="Noto Sans KR Regular" panose="020B0500000000000000" pitchFamily="34" charset="-127"/>
+                <a:ea typeface="Noto Sans KR Regular" panose="020B0500000000000000" pitchFamily="34" charset="-127"/>
+              </a:rPr>
+              <a:t>KRAFTON JUNGLE</a:t>
+            </a:r>
+            <a:endParaRPr lang="ko-KR" altLang="en-US" dirty="0">
+              <a:solidFill>
+                <a:schemeClr val="tx1">
+                  <a:lumMod val="65000"/>
+                  <a:lumOff val="35000"/>
+                </a:schemeClr>
+              </a:solidFill>
+              <a:latin typeface="Noto Sans KR Regular" panose="020B0500000000000000" pitchFamily="34" charset="-127"/>
+              <a:ea typeface="Noto Sans KR Regular" panose="020B0500000000000000" pitchFamily="34" charset="-127"/>
+            </a:endParaRPr>
+          </a:p>
+        </p:txBody>
+      </p:sp>
+      <p:sp>
+        <p:nvSpPr>
+          <p:cNvPr id="5" name="TextBox 4">
+            <a:extLst>
+              <a:ext uri="{FF2B5EF4-FFF2-40B4-BE49-F238E27FC236}">
+                <a16:creationId xmlns:a16="http://schemas.microsoft.com/office/drawing/2014/main" id="{24C4AAFB-2013-78F8-3BAA-2CAFA655A17F}"/>
+              </a:ext>
+            </a:extLst>
+          </p:cNvPr>
+          <p:cNvSpPr txBox="1"/>
+          <p:nvPr/>
+        </p:nvSpPr>
+        <p:spPr>
+          <a:xfrm>
+            <a:off x="2472810" y="3968227"/>
+            <a:ext cx="7246375" cy="461665"/>
+          </a:xfrm>
+          <a:prstGeom prst="rect">
+            <a:avLst/>
+          </a:prstGeom>
+          <a:noFill/>
+        </p:spPr>
+        <p:txBody>
+          <a:bodyPr wrap="square" rtlCol="0">
+            <a:spAutoFit/>
+          </a:bodyPr>
+          <a:lstStyle/>
+          <a:p>
+            <a:pPr algn="ctr"/>
+            <a:r>
+              <a:rPr lang="ko-KR" altLang="en-US" sz="2400" dirty="0">
+                <a:latin typeface="Noto Sans KR Thin" panose="020B0200000000000000" pitchFamily="34" charset="-127"/>
+                <a:ea typeface="Noto Sans KR Thin" panose="020B0200000000000000" pitchFamily="34" charset="-127"/>
+              </a:rPr>
+              <a:t>직접 꺼내지 않아도 시각적으로 매치한 이미지 확인 가능</a:t>
             </a:r>
           </a:p>
         </p:txBody>
@@ -3558,34 +3821,6 @@
           <a:chExt cx="0" cy="0"/>
         </a:xfrm>
       </p:grpSpPr>
-      <p:sp>
-        <p:nvSpPr>
-          <p:cNvPr id="2" name="제목 1">
-            <a:extLst>
-              <a:ext uri="{FF2B5EF4-FFF2-40B4-BE49-F238E27FC236}">
-                <a16:creationId xmlns:a16="http://schemas.microsoft.com/office/drawing/2014/main" id="{4E5A0D3C-2C1B-1AB2-075D-5297DBE48FBD}"/>
-              </a:ext>
-            </a:extLst>
-          </p:cNvPr>
-          <p:cNvSpPr>
-            <a:spLocks noGrp="1"/>
-          </p:cNvSpPr>
-          <p:nvPr>
-            <p:ph type="title"/>
-          </p:nvPr>
-        </p:nvSpPr>
-        <p:spPr/>
-        <p:txBody>
-          <a:bodyPr/>
-          <a:lstStyle/>
-          <a:p>
-            <a:r>
-              <a:rPr lang="ko-KR" altLang="en-US" dirty="0"/>
-              <a:t>기능구현</a:t>
-            </a:r>
-          </a:p>
-        </p:txBody>
-      </p:sp>
       <p:pic>
         <p:nvPicPr>
           <p:cNvPr id="7" name="그림 6">
@@ -3600,7 +3835,7 @@
           </p:cNvPicPr>
           <p:nvPr/>
         </p:nvPicPr>
-        <p:blipFill>
+        <p:blipFill rotWithShape="1">
           <a:blip r:embed="rId2">
             <a:extLst>
               <a:ext uri="{28A0092B-C50C-407E-A947-70E740481C1C}">
@@ -3608,14 +3843,13 @@
               </a:ext>
             </a:extLst>
           </a:blip>
-          <a:stretch>
-            <a:fillRect/>
-          </a:stretch>
+          <a:srcRect l="16436" r="12671"/>
+          <a:stretch/>
         </p:blipFill>
         <p:spPr>
           <a:xfrm>
-            <a:off x="457200" y="1928190"/>
-            <a:ext cx="7447722" cy="3723861"/>
+            <a:off x="884903" y="1444963"/>
+            <a:ext cx="4503412" cy="3176198"/>
           </a:xfrm>
           <a:prstGeom prst="rect">
             <a:avLst/>
@@ -3636,8 +3870,8 @@
         </p:nvSpPr>
         <p:spPr>
           <a:xfrm>
-            <a:off x="8188960" y="1928190"/>
-            <a:ext cx="3545840" cy="646331"/>
+            <a:off x="1363689" y="4990701"/>
+            <a:ext cx="3545840" cy="923330"/>
           </a:xfrm>
           <a:prstGeom prst="rect">
             <a:avLst/>
@@ -3650,24 +3884,309 @@
           </a:bodyPr>
           <a:lstStyle/>
           <a:p>
-            <a:pPr marL="285750" indent="-285750">
-              <a:buFontTx/>
-              <a:buChar char="-"/>
+            <a:pPr algn="ctr"/>
+            <a:r>
+              <a:rPr lang="ko-KR" altLang="en-US" dirty="0">
+                <a:latin typeface="Noto Sans KR Thin" panose="020B0200000000000000" pitchFamily="34" charset="-127"/>
+                <a:ea typeface="Noto Sans KR Thin" panose="020B0200000000000000" pitchFamily="34" charset="-127"/>
+              </a:rPr>
+              <a:t>로그인 기능구현</a:t>
+            </a:r>
+            <a:endParaRPr lang="en-US" altLang="ko-KR" dirty="0">
+              <a:latin typeface="Noto Sans KR Thin" panose="020B0200000000000000" pitchFamily="34" charset="-127"/>
+              <a:ea typeface="Noto Sans KR Thin" panose="020B0200000000000000" pitchFamily="34" charset="-127"/>
+            </a:endParaRPr>
+          </a:p>
+          <a:p>
+            <a:pPr algn="ctr"/>
+            <a:endParaRPr lang="en-US" altLang="ko-KR" dirty="0">
+              <a:latin typeface="Noto Sans KR Thin" panose="020B0200000000000000" pitchFamily="34" charset="-127"/>
+              <a:ea typeface="Noto Sans KR Thin" panose="020B0200000000000000" pitchFamily="34" charset="-127"/>
+            </a:endParaRPr>
+          </a:p>
+          <a:p>
+            <a:pPr algn="ctr"/>
+            <a:r>
+              <a:rPr lang="ko-KR" altLang="en-US" dirty="0">
+                <a:latin typeface="Noto Sans KR Thin" panose="020B0200000000000000" pitchFamily="34" charset="-127"/>
+                <a:ea typeface="Noto Sans KR Thin" panose="020B0200000000000000" pitchFamily="34" charset="-127"/>
+              </a:rPr>
+              <a:t>회원가입 페이지 이동</a:t>
+            </a:r>
+          </a:p>
+        </p:txBody>
+      </p:sp>
+      <p:sp>
+        <p:nvSpPr>
+          <p:cNvPr id="3" name="TextBox 2">
+            <a:extLst>
+              <a:ext uri="{FF2B5EF4-FFF2-40B4-BE49-F238E27FC236}">
+                <a16:creationId xmlns:a16="http://schemas.microsoft.com/office/drawing/2014/main" id="{E2FEB9A1-BD1C-3B16-316B-3567F92BC0ED}"/>
+              </a:ext>
+            </a:extLst>
+          </p:cNvPr>
+          <p:cNvSpPr txBox="1"/>
+          <p:nvPr/>
+        </p:nvSpPr>
+        <p:spPr>
+          <a:xfrm>
+            <a:off x="9989575" y="137652"/>
+            <a:ext cx="2123767" cy="369332"/>
+          </a:xfrm>
+          <a:prstGeom prst="rect">
+            <a:avLst/>
+          </a:prstGeom>
+          <a:noFill/>
+        </p:spPr>
+        <p:txBody>
+          <a:bodyPr wrap="square" rtlCol="0">
+            <a:spAutoFit/>
+          </a:bodyPr>
+          <a:lstStyle/>
+          <a:p>
+            <a:r>
+              <a:rPr lang="en-US" altLang="ko-KR" dirty="0">
+                <a:solidFill>
+                  <a:schemeClr val="tx1">
+                    <a:lumMod val="65000"/>
+                    <a:lumOff val="35000"/>
+                  </a:schemeClr>
+                </a:solidFill>
+                <a:latin typeface="Noto Sans KR Regular" panose="020B0500000000000000" pitchFamily="34" charset="-127"/>
+                <a:ea typeface="Noto Sans KR Regular" panose="020B0500000000000000" pitchFamily="34" charset="-127"/>
+              </a:rPr>
+              <a:t>KRAFTON JUNGLE</a:t>
+            </a:r>
+            <a:endParaRPr lang="ko-KR" altLang="en-US" dirty="0">
+              <a:solidFill>
+                <a:schemeClr val="tx1">
+                  <a:lumMod val="65000"/>
+                  <a:lumOff val="35000"/>
+                </a:schemeClr>
+              </a:solidFill>
+              <a:latin typeface="Noto Sans KR Regular" panose="020B0500000000000000" pitchFamily="34" charset="-127"/>
+              <a:ea typeface="Noto Sans KR Regular" panose="020B0500000000000000" pitchFamily="34" charset="-127"/>
+            </a:endParaRPr>
+          </a:p>
+        </p:txBody>
+      </p:sp>
+      <p:sp>
+        <p:nvSpPr>
+          <p:cNvPr id="6" name="제목 1">
+            <a:extLst>
+              <a:ext uri="{FF2B5EF4-FFF2-40B4-BE49-F238E27FC236}">
+                <a16:creationId xmlns:a16="http://schemas.microsoft.com/office/drawing/2014/main" id="{206692BD-8D4F-9CFD-3C6D-09C45645C240}"/>
+              </a:ext>
+            </a:extLst>
+          </p:cNvPr>
+          <p:cNvSpPr txBox="1">
+            <a:spLocks/>
+          </p:cNvSpPr>
+          <p:nvPr/>
+        </p:nvSpPr>
+        <p:spPr>
+          <a:xfrm>
+            <a:off x="206478" y="137652"/>
+            <a:ext cx="2733367" cy="875071"/>
+          </a:xfrm>
+          <a:prstGeom prst="rect">
+            <a:avLst/>
+          </a:prstGeom>
+        </p:spPr>
+        <p:txBody>
+          <a:bodyPr vert="horz" lIns="91440" tIns="45720" rIns="91440" bIns="45720" rtlCol="0" anchor="ctr">
+            <a:normAutofit/>
+          </a:bodyPr>
+          <a:lstStyle>
+            <a:lvl1pPr algn="l" defTabSz="914400" rtl="0" eaLnBrk="1" latinLnBrk="1" hangingPunct="1">
+              <a:lnSpc>
+                <a:spcPct val="90000"/>
+              </a:lnSpc>
+              <a:spcBef>
+                <a:spcPct val="0"/>
+              </a:spcBef>
+              <a:buNone/>
+              <a:defRPr sz="4400" kern="1200">
+                <a:solidFill>
+                  <a:schemeClr val="tx1"/>
+                </a:solidFill>
+                <a:latin typeface="+mj-lt"/>
+                <a:ea typeface="+mj-ea"/>
+                <a:cs typeface="+mj-cs"/>
+              </a:defRPr>
+            </a:lvl1pPr>
+          </a:lstStyle>
+          <a:p>
+            <a:r>
+              <a:rPr lang="ko-KR" altLang="en-US" sz="3600" dirty="0">
+                <a:latin typeface="Noto Sans KR Regular" panose="020B0500000000000000" pitchFamily="34" charset="-127"/>
+                <a:ea typeface="Noto Sans KR Regular" panose="020B0500000000000000" pitchFamily="34" charset="-127"/>
+              </a:rPr>
+              <a:t>기능구현 </a:t>
+            </a:r>
+            <a:r>
+              <a:rPr lang="en-US" altLang="ko-KR" sz="3600" dirty="0">
+                <a:latin typeface="Noto Sans KR Regular" panose="020B0500000000000000" pitchFamily="34" charset="-127"/>
+                <a:ea typeface="Noto Sans KR Regular" panose="020B0500000000000000" pitchFamily="34" charset="-127"/>
+              </a:rPr>
+              <a:t>(1)</a:t>
+            </a:r>
+            <a:endParaRPr lang="ko-KR" altLang="en-US" sz="3600" dirty="0">
+              <a:latin typeface="Noto Sans KR Regular" panose="020B0500000000000000" pitchFamily="34" charset="-127"/>
+              <a:ea typeface="Noto Sans KR Regular" panose="020B0500000000000000" pitchFamily="34" charset="-127"/>
+            </a:endParaRPr>
+          </a:p>
+        </p:txBody>
+      </p:sp>
+      <p:pic>
+        <p:nvPicPr>
+          <p:cNvPr id="9" name="그림 8" descr="테이블이(가) 표시된 사진&#10;&#10;자동 생성된 설명">
+            <a:extLst>
+              <a:ext uri="{FF2B5EF4-FFF2-40B4-BE49-F238E27FC236}">
+                <a16:creationId xmlns:a16="http://schemas.microsoft.com/office/drawing/2014/main" id="{5AF8A3C5-40BF-CA35-7F30-D2AF7891442A}"/>
+              </a:ext>
+            </a:extLst>
+          </p:cNvPr>
+          <p:cNvPicPr>
+            <a:picLocks noChangeAspect="1"/>
+          </p:cNvPicPr>
+          <p:nvPr/>
+        </p:nvPicPr>
+        <p:blipFill rotWithShape="1">
+          <a:blip r:embed="rId3">
+            <a:extLst>
+              <a:ext uri="{28A0092B-C50C-407E-A947-70E740481C1C}">
+                <a14:useLocalDpi xmlns:a14="http://schemas.microsoft.com/office/drawing/2010/main" val="0"/>
+              </a:ext>
+            </a:extLst>
+          </a:blip>
+          <a:srcRect l="15742" r="17180"/>
+          <a:stretch/>
+        </p:blipFill>
+        <p:spPr>
+          <a:xfrm>
+            <a:off x="6676104" y="1449951"/>
+            <a:ext cx="4261040" cy="3176198"/>
+          </a:xfrm>
+          <a:prstGeom prst="rect">
+            <a:avLst/>
+          </a:prstGeom>
+        </p:spPr>
+      </p:pic>
+      <p:sp>
+        <p:nvSpPr>
+          <p:cNvPr id="10" name="TextBox 9">
+            <a:extLst>
+              <a:ext uri="{FF2B5EF4-FFF2-40B4-BE49-F238E27FC236}">
+                <a16:creationId xmlns:a16="http://schemas.microsoft.com/office/drawing/2014/main" id="{83F83B8B-7404-6AF6-28FF-37224D937189}"/>
+              </a:ext>
+            </a:extLst>
+          </p:cNvPr>
+          <p:cNvSpPr txBox="1"/>
+          <p:nvPr/>
+        </p:nvSpPr>
+        <p:spPr>
+          <a:xfrm>
+            <a:off x="6592563" y="4369573"/>
+            <a:ext cx="4428122" cy="1710340"/>
+          </a:xfrm>
+          <a:prstGeom prst="rect">
+            <a:avLst/>
+          </a:prstGeom>
+          <a:noFill/>
+        </p:spPr>
+        <p:txBody>
+          <a:bodyPr wrap="square" rtlCol="0">
+            <a:spAutoFit/>
+          </a:bodyPr>
+          <a:lstStyle/>
+          <a:p>
+            <a:pPr algn="ctr">
+              <a:lnSpc>
+                <a:spcPct val="150000"/>
+              </a:lnSpc>
             </a:pPr>
-            <a:r>
-              <a:rPr lang="ko-KR" altLang="en-US" dirty="0"/>
-              <a:t>로그인 기능구현</a:t>
-            </a:r>
-            <a:endParaRPr lang="en-US" altLang="ko-KR" dirty="0"/>
-          </a:p>
-          <a:p>
-            <a:pPr marL="285750" indent="-285750">
-              <a:buFontTx/>
-              <a:buChar char="-"/>
+            <a:endParaRPr lang="en-US" altLang="ko-KR" dirty="0">
+              <a:latin typeface="Noto Sans KR Thin" panose="020B0200000000000000" pitchFamily="34" charset="-127"/>
+              <a:ea typeface="Noto Sans KR Thin" panose="020B0200000000000000" pitchFamily="34" charset="-127"/>
+            </a:endParaRPr>
+          </a:p>
+          <a:p>
+            <a:pPr algn="ctr">
+              <a:lnSpc>
+                <a:spcPct val="150000"/>
+              </a:lnSpc>
             </a:pPr>
             <a:r>
-              <a:rPr lang="ko-KR" altLang="en-US" dirty="0"/>
-              <a:t>회원가입 페이지 이동</a:t>
+              <a:rPr lang="ko-KR" altLang="en-US" dirty="0">
+                <a:latin typeface="Noto Sans KR Thin" panose="020B0200000000000000" pitchFamily="34" charset="-127"/>
+                <a:ea typeface="Noto Sans KR Thin" panose="020B0200000000000000" pitchFamily="34" charset="-127"/>
+              </a:rPr>
+              <a:t>회원가입 버튼 클릭 시 </a:t>
+            </a:r>
+            <a:r>
+              <a:rPr lang="en-US" altLang="ko-KR" dirty="0">
+                <a:latin typeface="Noto Sans KR Thin" panose="020B0200000000000000" pitchFamily="34" charset="-127"/>
+                <a:ea typeface="Noto Sans KR Thin" panose="020B0200000000000000" pitchFamily="34" charset="-127"/>
+              </a:rPr>
+              <a:t>ID / PW </a:t>
+            </a:r>
+            <a:r>
+              <a:rPr lang="ko-KR" altLang="en-US" dirty="0">
+                <a:latin typeface="Noto Sans KR Thin" panose="020B0200000000000000" pitchFamily="34" charset="-127"/>
+                <a:ea typeface="Noto Sans KR Thin" panose="020B0200000000000000" pitchFamily="34" charset="-127"/>
+              </a:rPr>
+              <a:t>확인</a:t>
+            </a:r>
+            <a:endParaRPr lang="en-US" altLang="ko-KR" dirty="0">
+              <a:latin typeface="Noto Sans KR Thin" panose="020B0200000000000000" pitchFamily="34" charset="-127"/>
+              <a:ea typeface="Noto Sans KR Thin" panose="020B0200000000000000" pitchFamily="34" charset="-127"/>
+            </a:endParaRPr>
+          </a:p>
+          <a:p>
+            <a:pPr algn="ctr">
+              <a:lnSpc>
+                <a:spcPct val="150000"/>
+              </a:lnSpc>
+            </a:pPr>
+            <a:r>
+              <a:rPr lang="en-US" altLang="ko-KR" dirty="0">
+                <a:latin typeface="Noto Sans KR Thin" panose="020B0200000000000000" pitchFamily="34" charset="-127"/>
+                <a:ea typeface="Noto Sans KR Thin" panose="020B0200000000000000" pitchFamily="34" charset="-127"/>
+              </a:rPr>
+              <a:t>ID </a:t>
+            </a:r>
+            <a:r>
+              <a:rPr lang="ko-KR" altLang="en-US" dirty="0">
+                <a:latin typeface="Noto Sans KR Thin" panose="020B0200000000000000" pitchFamily="34" charset="-127"/>
+                <a:ea typeface="Noto Sans KR Thin" panose="020B0200000000000000" pitchFamily="34" charset="-127"/>
+              </a:rPr>
+              <a:t>중복 시 알람</a:t>
+            </a:r>
+            <a:endParaRPr lang="en-US" altLang="ko-KR" dirty="0">
+              <a:latin typeface="Noto Sans KR Thin" panose="020B0200000000000000" pitchFamily="34" charset="-127"/>
+              <a:ea typeface="Noto Sans KR Thin" panose="020B0200000000000000" pitchFamily="34" charset="-127"/>
+            </a:endParaRPr>
+          </a:p>
+          <a:p>
+            <a:pPr algn="ctr">
+              <a:lnSpc>
+                <a:spcPct val="150000"/>
+              </a:lnSpc>
+            </a:pPr>
+            <a:r>
+              <a:rPr lang="en-US" altLang="ko-KR" dirty="0">
+                <a:latin typeface="Noto Sans KR Thin" panose="020B0200000000000000" pitchFamily="34" charset="-127"/>
+                <a:ea typeface="Noto Sans KR Thin" panose="020B0200000000000000" pitchFamily="34" charset="-127"/>
+              </a:rPr>
+              <a:t>PW </a:t>
+            </a:r>
+            <a:r>
+              <a:rPr lang="ko-KR" altLang="en-US" dirty="0">
+                <a:latin typeface="Noto Sans KR Thin" panose="020B0200000000000000" pitchFamily="34" charset="-127"/>
+                <a:ea typeface="Noto Sans KR Thin" panose="020B0200000000000000" pitchFamily="34" charset="-127"/>
+              </a:rPr>
+              <a:t>비일치시 알람</a:t>
             </a:r>
           </a:p>
         </p:txBody>
@@ -3692,7 +4211,7 @@
       <p:bgPr>
         <a:solidFill>
           <a:schemeClr val="bg1">
-            <a:lumMod val="95000"/>
+            <a:lumMod val="85000"/>
           </a:schemeClr>
         </a:solidFill>
         <a:effectLst/>
@@ -3714,34 +4233,6 @@
       </p:grpSpPr>
       <p:sp>
         <p:nvSpPr>
-          <p:cNvPr id="2" name="제목 1">
-            <a:extLst>
-              <a:ext uri="{FF2B5EF4-FFF2-40B4-BE49-F238E27FC236}">
-                <a16:creationId xmlns:a16="http://schemas.microsoft.com/office/drawing/2014/main" id="{4E5A0D3C-2C1B-1AB2-075D-5297DBE48FBD}"/>
-              </a:ext>
-            </a:extLst>
-          </p:cNvPr>
-          <p:cNvSpPr>
-            <a:spLocks noGrp="1"/>
-          </p:cNvSpPr>
-          <p:nvPr>
-            <p:ph type="title"/>
-          </p:nvPr>
-        </p:nvSpPr>
-        <p:spPr/>
-        <p:txBody>
-          <a:bodyPr/>
-          <a:lstStyle/>
-          <a:p>
-            <a:r>
-              <a:rPr lang="ko-KR" altLang="en-US" dirty="0"/>
-              <a:t>기능구현</a:t>
-            </a:r>
-          </a:p>
-        </p:txBody>
-      </p:sp>
-      <p:sp>
-        <p:nvSpPr>
           <p:cNvPr id="8" name="TextBox 7">
             <a:extLst>
               <a:ext uri="{FF2B5EF4-FFF2-40B4-BE49-F238E27FC236}">
@@ -3754,8 +4245,8 @@
         </p:nvSpPr>
         <p:spPr>
           <a:xfrm>
-            <a:off x="8117840" y="2121230"/>
-            <a:ext cx="3545840" cy="307777"/>
+            <a:off x="6243637" y="2620472"/>
+            <a:ext cx="5463385" cy="2031325"/>
           </a:xfrm>
           <a:prstGeom prst="rect">
             <a:avLst/>
@@ -3768,40 +4259,92 @@
           </a:bodyPr>
           <a:lstStyle/>
           <a:p>
-            <a:pPr marL="285750" indent="-285750">
-              <a:buFontTx/>
-              <a:buChar char="-"/>
+            <a:r>
+              <a:rPr lang="ko-KR" altLang="en-US" dirty="0">
+                <a:latin typeface="Noto Sans KR Thin" panose="020B0200000000000000" pitchFamily="34" charset="-127"/>
+                <a:ea typeface="Noto Sans KR Thin" panose="020B0200000000000000" pitchFamily="34" charset="-127"/>
+              </a:rPr>
+              <a:t>①  나의 옷장에 등록된 옷을 카테고리별로 분류</a:t>
+            </a:r>
+            <a:endParaRPr lang="en-US" altLang="ko-KR" dirty="0">
+              <a:latin typeface="Noto Sans KR Thin" panose="020B0200000000000000" pitchFamily="34" charset="-127"/>
+              <a:ea typeface="Noto Sans KR Thin" panose="020B0200000000000000" pitchFamily="34" charset="-127"/>
+            </a:endParaRPr>
+          </a:p>
+          <a:p>
+            <a:pPr marL="342900" indent="-342900">
+              <a:buAutoNum type="arabicPeriod"/>
             </a:pPr>
-            <a:r>
-              <a:rPr lang="ko-KR" altLang="en-US" sz="1400" dirty="0"/>
-              <a:t>간단한 회원가입 구현</a:t>
-            </a:r>
-            <a:r>
-              <a:rPr lang="en-US" altLang="ko-KR" sz="1400" dirty="0"/>
-              <a:t>(</a:t>
-            </a:r>
-            <a:r>
-              <a:rPr lang="ko-KR" altLang="en-US" sz="1400" dirty="0"/>
-              <a:t>인증 </a:t>
-            </a:r>
-            <a:r>
-              <a:rPr lang="ko-KR" altLang="en-US" sz="1400" dirty="0" err="1"/>
-              <a:t>미구현</a:t>
-            </a:r>
-            <a:r>
-              <a:rPr lang="en-US" altLang="ko-KR" sz="1400" dirty="0"/>
-              <a:t>)</a:t>
-            </a:r>
-            <a:endParaRPr lang="ko-KR" altLang="en-US" sz="1400" dirty="0"/>
+            <a:endParaRPr lang="en-US" altLang="ko-KR" dirty="0">
+              <a:latin typeface="Noto Sans KR Thin" panose="020B0200000000000000" pitchFamily="34" charset="-127"/>
+              <a:ea typeface="Noto Sans KR Thin" panose="020B0200000000000000" pitchFamily="34" charset="-127"/>
+            </a:endParaRPr>
+          </a:p>
+          <a:p>
+            <a:r>
+              <a:rPr lang="ko-KR" altLang="en-US" dirty="0">
+                <a:latin typeface="Noto Sans KR Thin" panose="020B0200000000000000" pitchFamily="34" charset="-127"/>
+                <a:ea typeface="Noto Sans KR Thin" panose="020B0200000000000000" pitchFamily="34" charset="-127"/>
+              </a:rPr>
+              <a:t>②  등록된 옷의 이미지를 클릭 시 선택하여 아래 표시</a:t>
+            </a:r>
+            <a:endParaRPr lang="en-US" altLang="ko-KR" dirty="0">
+              <a:latin typeface="Noto Sans KR Thin" panose="020B0200000000000000" pitchFamily="34" charset="-127"/>
+              <a:ea typeface="Noto Sans KR Thin" panose="020B0200000000000000" pitchFamily="34" charset="-127"/>
+            </a:endParaRPr>
+          </a:p>
+          <a:p>
+            <a:pPr marL="342900" indent="-342900">
+              <a:buAutoNum type="arabicPeriod"/>
+            </a:pPr>
+            <a:endParaRPr lang="en-US" altLang="ko-KR" dirty="0">
+              <a:latin typeface="Noto Sans KR Thin" panose="020B0200000000000000" pitchFamily="34" charset="-127"/>
+              <a:ea typeface="Noto Sans KR Thin" panose="020B0200000000000000" pitchFamily="34" charset="-127"/>
+            </a:endParaRPr>
+          </a:p>
+          <a:p>
+            <a:r>
+              <a:rPr lang="ko-KR" altLang="en-US" dirty="0">
+                <a:latin typeface="Noto Sans KR Thin" panose="020B0200000000000000" pitchFamily="34" charset="-127"/>
+                <a:ea typeface="Noto Sans KR Thin" panose="020B0200000000000000" pitchFamily="34" charset="-127"/>
+              </a:rPr>
+              <a:t>③  클릭 된 옷들을 모아 보여주는 공간</a:t>
+            </a:r>
+            <a:endParaRPr lang="en-US" altLang="ko-KR" dirty="0">
+              <a:latin typeface="Noto Sans KR Thin" panose="020B0200000000000000" pitchFamily="34" charset="-127"/>
+              <a:ea typeface="Noto Sans KR Thin" panose="020B0200000000000000" pitchFamily="34" charset="-127"/>
+            </a:endParaRPr>
+          </a:p>
+          <a:p>
+            <a:pPr marL="342900" indent="-342900">
+              <a:buAutoNum type="arabicPeriod"/>
+            </a:pPr>
+            <a:endParaRPr lang="en-US" altLang="ko-KR" dirty="0">
+              <a:latin typeface="Noto Sans KR Thin" panose="020B0200000000000000" pitchFamily="34" charset="-127"/>
+              <a:ea typeface="Noto Sans KR Thin" panose="020B0200000000000000" pitchFamily="34" charset="-127"/>
+            </a:endParaRPr>
+          </a:p>
+          <a:p>
+            <a:r>
+              <a:rPr lang="ko-KR" altLang="en-US" dirty="0">
+                <a:latin typeface="Noto Sans KR Thin" panose="020B0200000000000000" pitchFamily="34" charset="-127"/>
+                <a:ea typeface="Noto Sans KR Thin" panose="020B0200000000000000" pitchFamily="34" charset="-127"/>
+              </a:rPr>
+              <a:t>④  새로운 옷을 옷장에 등록하는 페이지로 이동</a:t>
+            </a:r>
+            <a:endParaRPr lang="en-US" altLang="ko-KR" dirty="0">
+              <a:latin typeface="Noto Sans KR Thin" panose="020B0200000000000000" pitchFamily="34" charset="-127"/>
+              <a:ea typeface="Noto Sans KR Thin" panose="020B0200000000000000" pitchFamily="34" charset="-127"/>
+            </a:endParaRPr>
           </a:p>
         </p:txBody>
       </p:sp>
       <p:pic>
         <p:nvPicPr>
-          <p:cNvPr id="4" name="그림 3" descr="테이블이(가) 표시된 사진&#10;&#10;자동 생성된 설명">
-            <a:extLst>
-              <a:ext uri="{FF2B5EF4-FFF2-40B4-BE49-F238E27FC236}">
-                <a16:creationId xmlns:a16="http://schemas.microsoft.com/office/drawing/2014/main" id="{15C3706B-0544-314B-691A-4559D18B4DBD}"/>
+          <p:cNvPr id="4" name="그림 3">
+            <a:extLst>
+              <a:ext uri="{FF2B5EF4-FFF2-40B4-BE49-F238E27FC236}">
+                <a16:creationId xmlns:a16="http://schemas.microsoft.com/office/drawing/2014/main" id="{820CBF56-2BBD-8EB9-4CA2-FC1AB48744D3}"/>
               </a:ext>
             </a:extLst>
           </p:cNvPr>
@@ -3824,18 +4367,338 @@
         </p:blipFill>
         <p:spPr>
           <a:xfrm>
-            <a:off x="345440" y="1690688"/>
-            <a:ext cx="7548880" cy="3774440"/>
+            <a:off x="1257004" y="1294909"/>
+            <a:ext cx="4414827" cy="4815840"/>
           </a:xfrm>
           <a:prstGeom prst="rect">
             <a:avLst/>
           </a:prstGeom>
         </p:spPr>
       </p:pic>
+      <p:sp>
+        <p:nvSpPr>
+          <p:cNvPr id="5" name="TextBox 4">
+            <a:extLst>
+              <a:ext uri="{FF2B5EF4-FFF2-40B4-BE49-F238E27FC236}">
+                <a16:creationId xmlns:a16="http://schemas.microsoft.com/office/drawing/2014/main" id="{858D7EA1-A8EF-CFD7-E26E-B978258ACF0A}"/>
+              </a:ext>
+            </a:extLst>
+          </p:cNvPr>
+          <p:cNvSpPr txBox="1"/>
+          <p:nvPr/>
+        </p:nvSpPr>
+        <p:spPr>
+          <a:xfrm>
+            <a:off x="1828810" y="1707473"/>
+            <a:ext cx="406400" cy="369332"/>
+          </a:xfrm>
+          <a:prstGeom prst="rect">
+            <a:avLst/>
+          </a:prstGeom>
+          <a:noFill/>
+        </p:spPr>
+        <p:txBody>
+          <a:bodyPr wrap="square" rtlCol="0">
+            <a:spAutoFit/>
+          </a:bodyPr>
+          <a:lstStyle/>
+          <a:p>
+            <a:r>
+              <a:rPr lang="ko-KR" altLang="en-US" dirty="0">
+                <a:latin typeface="맑은 고딕" panose="020B0503020000020004" pitchFamily="50" charset="-127"/>
+                <a:ea typeface="맑은 고딕" panose="020B0503020000020004" pitchFamily="50" charset="-127"/>
+              </a:rPr>
+              <a:t>①</a:t>
+            </a:r>
+            <a:endParaRPr lang="ko-KR" altLang="en-US" dirty="0"/>
+          </a:p>
+        </p:txBody>
+      </p:sp>
+      <p:sp>
+        <p:nvSpPr>
+          <p:cNvPr id="6" name="TextBox 5">
+            <a:extLst>
+              <a:ext uri="{FF2B5EF4-FFF2-40B4-BE49-F238E27FC236}">
+                <a16:creationId xmlns:a16="http://schemas.microsoft.com/office/drawing/2014/main" id="{A2F9E65C-35BC-D797-1AF0-D9D34468BD01}"/>
+              </a:ext>
+            </a:extLst>
+          </p:cNvPr>
+          <p:cNvSpPr txBox="1"/>
+          <p:nvPr/>
+        </p:nvSpPr>
+        <p:spPr>
+          <a:xfrm>
+            <a:off x="1828810" y="3702829"/>
+            <a:ext cx="406400" cy="369332"/>
+          </a:xfrm>
+          <a:prstGeom prst="rect">
+            <a:avLst/>
+          </a:prstGeom>
+          <a:noFill/>
+        </p:spPr>
+        <p:txBody>
+          <a:bodyPr wrap="square" rtlCol="0">
+            <a:spAutoFit/>
+          </a:bodyPr>
+          <a:lstStyle/>
+          <a:p>
+            <a:r>
+              <a:rPr lang="ko-KR" altLang="en-US" dirty="0">
+                <a:latin typeface="맑은 고딕" panose="020B0503020000020004" pitchFamily="50" charset="-127"/>
+                <a:ea typeface="맑은 고딕" panose="020B0503020000020004" pitchFamily="50" charset="-127"/>
+              </a:rPr>
+              <a:t>③</a:t>
+            </a:r>
+            <a:endParaRPr lang="ko-KR" altLang="en-US" dirty="0"/>
+          </a:p>
+        </p:txBody>
+      </p:sp>
+      <p:sp>
+        <p:nvSpPr>
+          <p:cNvPr id="9" name="TextBox 8">
+            <a:extLst>
+              <a:ext uri="{FF2B5EF4-FFF2-40B4-BE49-F238E27FC236}">
+                <a16:creationId xmlns:a16="http://schemas.microsoft.com/office/drawing/2014/main" id="{17F0AA9E-5F79-E172-428E-EC42E04543D6}"/>
+              </a:ext>
+            </a:extLst>
+          </p:cNvPr>
+          <p:cNvSpPr txBox="1"/>
+          <p:nvPr/>
+        </p:nvSpPr>
+        <p:spPr>
+          <a:xfrm>
+            <a:off x="1828810" y="2251140"/>
+            <a:ext cx="406400" cy="369332"/>
+          </a:xfrm>
+          <a:prstGeom prst="rect">
+            <a:avLst/>
+          </a:prstGeom>
+          <a:noFill/>
+        </p:spPr>
+        <p:txBody>
+          <a:bodyPr wrap="square" rtlCol="0">
+            <a:spAutoFit/>
+          </a:bodyPr>
+          <a:lstStyle/>
+          <a:p>
+            <a:r>
+              <a:rPr lang="ko-KR" altLang="en-US" dirty="0">
+                <a:latin typeface="맑은 고딕" panose="020B0503020000020004" pitchFamily="50" charset="-127"/>
+                <a:ea typeface="맑은 고딕" panose="020B0503020000020004" pitchFamily="50" charset="-127"/>
+              </a:rPr>
+              <a:t>②</a:t>
+            </a:r>
+            <a:endParaRPr lang="ko-KR" altLang="en-US" dirty="0"/>
+          </a:p>
+        </p:txBody>
+      </p:sp>
+      <p:sp>
+        <p:nvSpPr>
+          <p:cNvPr id="10" name="TextBox 9">
+            <a:extLst>
+              <a:ext uri="{FF2B5EF4-FFF2-40B4-BE49-F238E27FC236}">
+                <a16:creationId xmlns:a16="http://schemas.microsoft.com/office/drawing/2014/main" id="{BD0CFA14-BBDA-6F0D-FB2D-7DB9B77DB11D}"/>
+              </a:ext>
+            </a:extLst>
+          </p:cNvPr>
+          <p:cNvSpPr txBox="1"/>
+          <p:nvPr/>
+        </p:nvSpPr>
+        <p:spPr>
+          <a:xfrm>
+            <a:off x="4366116" y="1442507"/>
+            <a:ext cx="406400" cy="369332"/>
+          </a:xfrm>
+          <a:prstGeom prst="rect">
+            <a:avLst/>
+          </a:prstGeom>
+          <a:noFill/>
+        </p:spPr>
+        <p:txBody>
+          <a:bodyPr wrap="square" rtlCol="0">
+            <a:spAutoFit/>
+          </a:bodyPr>
+          <a:lstStyle/>
+          <a:p>
+            <a:r>
+              <a:rPr lang="ko-KR" altLang="en-US" dirty="0">
+                <a:latin typeface="맑은 고딕" panose="020B0503020000020004" pitchFamily="50" charset="-127"/>
+                <a:ea typeface="맑은 고딕" panose="020B0503020000020004" pitchFamily="50" charset="-127"/>
+              </a:rPr>
+              <a:t>④</a:t>
+            </a:r>
+            <a:endParaRPr lang="ko-KR" altLang="en-US" dirty="0"/>
+          </a:p>
+        </p:txBody>
+      </p:sp>
+      <p:sp>
+        <p:nvSpPr>
+          <p:cNvPr id="3" name="TextBox 2">
+            <a:extLst>
+              <a:ext uri="{FF2B5EF4-FFF2-40B4-BE49-F238E27FC236}">
+                <a16:creationId xmlns:a16="http://schemas.microsoft.com/office/drawing/2014/main" id="{87144030-66EC-D3CB-DA42-25681705C33E}"/>
+              </a:ext>
+            </a:extLst>
+          </p:cNvPr>
+          <p:cNvSpPr txBox="1"/>
+          <p:nvPr/>
+        </p:nvSpPr>
+        <p:spPr>
+          <a:xfrm>
+            <a:off x="9989575" y="137652"/>
+            <a:ext cx="2123767" cy="369332"/>
+          </a:xfrm>
+          <a:prstGeom prst="rect">
+            <a:avLst/>
+          </a:prstGeom>
+          <a:noFill/>
+        </p:spPr>
+        <p:txBody>
+          <a:bodyPr wrap="square" rtlCol="0">
+            <a:spAutoFit/>
+          </a:bodyPr>
+          <a:lstStyle/>
+          <a:p>
+            <a:r>
+              <a:rPr lang="en-US" altLang="ko-KR" dirty="0">
+                <a:solidFill>
+                  <a:schemeClr val="tx1">
+                    <a:lumMod val="65000"/>
+                    <a:lumOff val="35000"/>
+                  </a:schemeClr>
+                </a:solidFill>
+                <a:latin typeface="Noto Sans KR Regular" panose="020B0500000000000000" pitchFamily="34" charset="-127"/>
+                <a:ea typeface="Noto Sans KR Regular" panose="020B0500000000000000" pitchFamily="34" charset="-127"/>
+              </a:rPr>
+              <a:t>KRAFTON JUNGLE</a:t>
+            </a:r>
+            <a:endParaRPr lang="ko-KR" altLang="en-US" dirty="0">
+              <a:solidFill>
+                <a:schemeClr val="tx1">
+                  <a:lumMod val="65000"/>
+                  <a:lumOff val="35000"/>
+                </a:schemeClr>
+              </a:solidFill>
+              <a:latin typeface="Noto Sans KR Regular" panose="020B0500000000000000" pitchFamily="34" charset="-127"/>
+              <a:ea typeface="Noto Sans KR Regular" panose="020B0500000000000000" pitchFamily="34" charset="-127"/>
+            </a:endParaRPr>
+          </a:p>
+        </p:txBody>
+      </p:sp>
+      <p:sp>
+        <p:nvSpPr>
+          <p:cNvPr id="12" name="제목 1">
+            <a:extLst>
+              <a:ext uri="{FF2B5EF4-FFF2-40B4-BE49-F238E27FC236}">
+                <a16:creationId xmlns:a16="http://schemas.microsoft.com/office/drawing/2014/main" id="{5BADB407-4BA8-5CF1-466A-44CC4A9F7E63}"/>
+              </a:ext>
+            </a:extLst>
+          </p:cNvPr>
+          <p:cNvSpPr txBox="1">
+            <a:spLocks/>
+          </p:cNvSpPr>
+          <p:nvPr/>
+        </p:nvSpPr>
+        <p:spPr>
+          <a:xfrm>
+            <a:off x="206478" y="137652"/>
+            <a:ext cx="2733367" cy="875071"/>
+          </a:xfrm>
+          <a:prstGeom prst="rect">
+            <a:avLst/>
+          </a:prstGeom>
+        </p:spPr>
+        <p:txBody>
+          <a:bodyPr vert="horz" lIns="91440" tIns="45720" rIns="91440" bIns="45720" rtlCol="0" anchor="ctr">
+            <a:normAutofit/>
+          </a:bodyPr>
+          <a:lstStyle>
+            <a:lvl1pPr algn="l" defTabSz="914400" rtl="0" eaLnBrk="1" latinLnBrk="1" hangingPunct="1">
+              <a:lnSpc>
+                <a:spcPct val="90000"/>
+              </a:lnSpc>
+              <a:spcBef>
+                <a:spcPct val="0"/>
+              </a:spcBef>
+              <a:buNone/>
+              <a:defRPr sz="4400" kern="1200">
+                <a:solidFill>
+                  <a:schemeClr val="tx1"/>
+                </a:solidFill>
+                <a:latin typeface="+mj-lt"/>
+                <a:ea typeface="+mj-ea"/>
+                <a:cs typeface="+mj-cs"/>
+              </a:defRPr>
+            </a:lvl1pPr>
+          </a:lstStyle>
+          <a:p>
+            <a:r>
+              <a:rPr lang="ko-KR" altLang="en-US" sz="3600" dirty="0">
+                <a:latin typeface="Noto Sans KR Regular" panose="020B0500000000000000" pitchFamily="34" charset="-127"/>
+                <a:ea typeface="Noto Sans KR Regular" panose="020B0500000000000000" pitchFamily="34" charset="-127"/>
+              </a:rPr>
+              <a:t>기능구현 </a:t>
+            </a:r>
+            <a:r>
+              <a:rPr lang="en-US" altLang="ko-KR" sz="3600" dirty="0">
+                <a:latin typeface="Noto Sans KR Regular" panose="020B0500000000000000" pitchFamily="34" charset="-127"/>
+                <a:ea typeface="Noto Sans KR Regular" panose="020B0500000000000000" pitchFamily="34" charset="-127"/>
+              </a:rPr>
+              <a:t>(2)</a:t>
+            </a:r>
+            <a:endParaRPr lang="ko-KR" altLang="en-US" sz="3600" dirty="0">
+              <a:latin typeface="Noto Sans KR Regular" panose="020B0500000000000000" pitchFamily="34" charset="-127"/>
+              <a:ea typeface="Noto Sans KR Regular" panose="020B0500000000000000" pitchFamily="34" charset="-127"/>
+            </a:endParaRPr>
+          </a:p>
+        </p:txBody>
+      </p:sp>
+      <p:sp>
+        <p:nvSpPr>
+          <p:cNvPr id="14" name="TextBox 13">
+            <a:extLst>
+              <a:ext uri="{FF2B5EF4-FFF2-40B4-BE49-F238E27FC236}">
+                <a16:creationId xmlns:a16="http://schemas.microsoft.com/office/drawing/2014/main" id="{1F70476F-7828-C55C-B3A2-CA38793A3CC3}"/>
+              </a:ext>
+            </a:extLst>
+          </p:cNvPr>
+          <p:cNvSpPr txBox="1"/>
+          <p:nvPr/>
+        </p:nvSpPr>
+        <p:spPr>
+          <a:xfrm>
+            <a:off x="5185196" y="1294909"/>
+            <a:ext cx="624195" cy="215444"/>
+          </a:xfrm>
+          <a:prstGeom prst="rect">
+            <a:avLst/>
+          </a:prstGeom>
+          <a:noFill/>
+        </p:spPr>
+        <p:txBody>
+          <a:bodyPr wrap="square" rtlCol="0">
+            <a:spAutoFit/>
+          </a:bodyPr>
+          <a:lstStyle/>
+          <a:p>
+            <a:r>
+              <a:rPr lang="en-US" altLang="ko-KR" sz="800" dirty="0">
+                <a:latin typeface="Noto Sans KR Thin" panose="020B0200000000000000" pitchFamily="34" charset="-127"/>
+                <a:ea typeface="Noto Sans KR Thin" panose="020B0200000000000000" pitchFamily="34" charset="-127"/>
+              </a:rPr>
+              <a:t>logout</a:t>
+            </a:r>
+            <a:endParaRPr lang="ko-KR" altLang="en-US" sz="800" dirty="0">
+              <a:latin typeface="Noto Sans KR Thin" panose="020B0200000000000000" pitchFamily="34" charset="-127"/>
+              <a:ea typeface="Noto Sans KR Thin" panose="020B0200000000000000" pitchFamily="34" charset="-127"/>
+            </a:endParaRPr>
+          </a:p>
+        </p:txBody>
+      </p:sp>
     </p:spTree>
     <p:extLst>
       <p:ext uri="{BB962C8B-B14F-4D97-AF65-F5344CB8AC3E}">
-        <p14:creationId xmlns:p14="http://schemas.microsoft.com/office/powerpoint/2010/main" val="3399264878"/>
+        <p14:creationId xmlns:p14="http://schemas.microsoft.com/office/powerpoint/2010/main" val="758453257"/>
       </p:ext>
     </p:extLst>
   </p:cSld>
@@ -3852,7 +4715,7 @@
       <p:bgPr>
         <a:solidFill>
           <a:schemeClr val="bg1">
-            <a:lumMod val="95000"/>
+            <a:lumMod val="85000"/>
           </a:schemeClr>
         </a:solidFill>
         <a:effectLst/>
@@ -3874,34 +4737,6 @@
       </p:grpSpPr>
       <p:sp>
         <p:nvSpPr>
-          <p:cNvPr id="2" name="제목 1">
-            <a:extLst>
-              <a:ext uri="{FF2B5EF4-FFF2-40B4-BE49-F238E27FC236}">
-                <a16:creationId xmlns:a16="http://schemas.microsoft.com/office/drawing/2014/main" id="{4E5A0D3C-2C1B-1AB2-075D-5297DBE48FBD}"/>
-              </a:ext>
-            </a:extLst>
-          </p:cNvPr>
-          <p:cNvSpPr>
-            <a:spLocks noGrp="1"/>
-          </p:cNvSpPr>
-          <p:nvPr>
-            <p:ph type="title"/>
-          </p:nvPr>
-        </p:nvSpPr>
-        <p:spPr/>
-        <p:txBody>
-          <a:bodyPr/>
-          <a:lstStyle/>
-          <a:p>
-            <a:r>
-              <a:rPr lang="ko-KR" altLang="en-US" dirty="0"/>
-              <a:t>기능구현</a:t>
-            </a:r>
-          </a:p>
-        </p:txBody>
-      </p:sp>
-      <p:sp>
-        <p:nvSpPr>
           <p:cNvPr id="8" name="TextBox 7">
             <a:extLst>
               <a:ext uri="{FF2B5EF4-FFF2-40B4-BE49-F238E27FC236}">
@@ -3914,8 +4749,8 @@
         </p:nvSpPr>
         <p:spPr>
           <a:xfrm>
-            <a:off x="6362854" y="2763262"/>
-            <a:ext cx="5463385" cy="1077218"/>
+            <a:off x="6502473" y="3333413"/>
+            <a:ext cx="5463385" cy="400110"/>
           </a:xfrm>
           <a:prstGeom prst="rect">
             <a:avLst/>
@@ -3928,53 +4763,26 @@
           </a:bodyPr>
           <a:lstStyle/>
           <a:p>
-            <a:pPr marL="342900" indent="-342900">
-              <a:buAutoNum type="arabicPeriod"/>
-            </a:pPr>
-            <a:r>
-              <a:rPr lang="ko-KR" altLang="en-US" sz="1600" dirty="0"/>
-              <a:t>나의 옷장에 등록된 옷을 카테고리별로 분류</a:t>
-            </a:r>
-            <a:endParaRPr lang="en-US" altLang="ko-KR" sz="1600" dirty="0"/>
-          </a:p>
-          <a:p>
-            <a:pPr marL="342900" indent="-342900">
-              <a:buAutoNum type="arabicPeriod"/>
-            </a:pPr>
-            <a:r>
-              <a:rPr lang="ko-KR" altLang="en-US" sz="1600" dirty="0"/>
-              <a:t>등록된 옷의 이미지를 클릭 시 선택하여 아래 표시</a:t>
-            </a:r>
-            <a:endParaRPr lang="en-US" altLang="ko-KR" sz="1600" dirty="0"/>
-          </a:p>
-          <a:p>
-            <a:pPr marL="342900" indent="-342900">
-              <a:buAutoNum type="arabicPeriod"/>
-            </a:pPr>
-            <a:r>
-              <a:rPr lang="ko-KR" altLang="en-US" sz="1600" dirty="0"/>
-              <a:t>클릭 된 옷들을 모아 보여주는 공간</a:t>
-            </a:r>
-            <a:endParaRPr lang="en-US" altLang="ko-KR" sz="1600" dirty="0"/>
-          </a:p>
-          <a:p>
-            <a:pPr marL="342900" indent="-342900">
-              <a:buAutoNum type="arabicPeriod"/>
-            </a:pPr>
-            <a:r>
-              <a:rPr lang="ko-KR" altLang="en-US" sz="1600" dirty="0"/>
-              <a:t>새로운 옷을 옷장에 등록하는 페이지로 이동</a:t>
-            </a:r>
-            <a:endParaRPr lang="en-US" altLang="ko-KR" sz="1600" dirty="0"/>
+            <a:r>
+              <a:rPr lang="ko-KR" altLang="en-US" sz="2000" dirty="0">
+                <a:latin typeface="Noto Sans KR Thin" panose="020B0200000000000000" pitchFamily="34" charset="-127"/>
+                <a:ea typeface="Noto Sans KR Thin" panose="020B0200000000000000" pitchFamily="34" charset="-127"/>
+              </a:rPr>
+              <a:t>새로운 옷의 이미지와 카테고리를 등록하는 기능</a:t>
+            </a:r>
+            <a:endParaRPr lang="en-US" altLang="ko-KR" sz="2000" dirty="0">
+              <a:latin typeface="Noto Sans KR Thin" panose="020B0200000000000000" pitchFamily="34" charset="-127"/>
+              <a:ea typeface="Noto Sans KR Thin" panose="020B0200000000000000" pitchFamily="34" charset="-127"/>
+            </a:endParaRPr>
           </a:p>
         </p:txBody>
       </p:sp>
       <p:pic>
         <p:nvPicPr>
-          <p:cNvPr id="4" name="그림 3">
-            <a:extLst>
-              <a:ext uri="{FF2B5EF4-FFF2-40B4-BE49-F238E27FC236}">
-                <a16:creationId xmlns:a16="http://schemas.microsoft.com/office/drawing/2014/main" id="{820CBF56-2BBD-8EB9-4CA2-FC1AB48744D3}"/>
+          <p:cNvPr id="7" name="그림 6">
+            <a:extLst>
+              <a:ext uri="{FF2B5EF4-FFF2-40B4-BE49-F238E27FC236}">
+                <a16:creationId xmlns:a16="http://schemas.microsoft.com/office/drawing/2014/main" id="{86B031DF-E9B2-6B59-AC24-4A3B25A70578}"/>
               </a:ext>
             </a:extLst>
           </p:cNvPr>
@@ -3983,7 +4791,7 @@
           </p:cNvPicPr>
           <p:nvPr/>
         </p:nvPicPr>
-        <p:blipFill>
+        <p:blipFill rotWithShape="1">
           <a:blip r:embed="rId2">
             <a:extLst>
               <a:ext uri="{28A0092B-C50C-407E-A947-70E740481C1C}">
@@ -3991,14 +4799,13 @@
               </a:ext>
             </a:extLst>
           </a:blip>
-          <a:stretch>
-            <a:fillRect/>
-          </a:stretch>
+          <a:srcRect l="14774" r="14258"/>
+          <a:stretch/>
         </p:blipFill>
         <p:spPr>
           <a:xfrm>
-            <a:off x="1795627" y="1432560"/>
-            <a:ext cx="4414827" cy="4815840"/>
+            <a:off x="820676" y="1708355"/>
+            <a:ext cx="5180965" cy="3650226"/>
           </a:xfrm>
           <a:prstGeom prst="rect">
             <a:avLst/>
@@ -4007,10 +4814,10 @@
       </p:pic>
       <p:sp>
         <p:nvSpPr>
-          <p:cNvPr id="5" name="TextBox 4">
-            <a:extLst>
-              <a:ext uri="{FF2B5EF4-FFF2-40B4-BE49-F238E27FC236}">
-                <a16:creationId xmlns:a16="http://schemas.microsoft.com/office/drawing/2014/main" id="{858D7EA1-A8EF-CFD7-E26E-B978258ACF0A}"/>
+          <p:cNvPr id="3" name="TextBox 2">
+            <a:extLst>
+              <a:ext uri="{FF2B5EF4-FFF2-40B4-BE49-F238E27FC236}">
+                <a16:creationId xmlns:a16="http://schemas.microsoft.com/office/drawing/2014/main" id="{233172D3-B6BE-8DC8-90E0-C2788DC4F703}"/>
               </a:ext>
             </a:extLst>
           </p:cNvPr>
@@ -4019,8 +4826,8 @@
         </p:nvSpPr>
         <p:spPr>
           <a:xfrm>
-            <a:off x="2367433" y="1845124"/>
-            <a:ext cx="406400" cy="369332"/>
+            <a:off x="9989575" y="137652"/>
+            <a:ext cx="2123767" cy="369332"/>
           </a:xfrm>
           <a:prstGeom prst="rect">
             <a:avLst/>
@@ -4034,277 +4841,99 @@
           <a:lstStyle/>
           <a:p>
             <a:r>
-              <a:rPr lang="ko-KR" altLang="en-US" dirty="0">
-                <a:latin typeface="맑은 고딕" panose="020B0503020000020004" pitchFamily="50" charset="-127"/>
-                <a:ea typeface="맑은 고딕" panose="020B0503020000020004" pitchFamily="50" charset="-127"/>
+              <a:rPr lang="en-US" altLang="ko-KR" dirty="0">
+                <a:solidFill>
+                  <a:schemeClr val="tx1">
+                    <a:lumMod val="65000"/>
+                    <a:lumOff val="35000"/>
+                  </a:schemeClr>
+                </a:solidFill>
+                <a:latin typeface="Noto Sans KR Regular" panose="020B0500000000000000" pitchFamily="34" charset="-127"/>
+                <a:ea typeface="Noto Sans KR Regular" panose="020B0500000000000000" pitchFamily="34" charset="-127"/>
               </a:rPr>
-              <a:t>①</a:t>
-            </a:r>
-            <a:endParaRPr lang="ko-KR" altLang="en-US" dirty="0"/>
-          </a:p>
-        </p:txBody>
-      </p:sp>
-      <p:sp>
-        <p:nvSpPr>
-          <p:cNvPr id="6" name="TextBox 5">
-            <a:extLst>
-              <a:ext uri="{FF2B5EF4-FFF2-40B4-BE49-F238E27FC236}">
-                <a16:creationId xmlns:a16="http://schemas.microsoft.com/office/drawing/2014/main" id="{A2F9E65C-35BC-D797-1AF0-D9D34468BD01}"/>
-              </a:ext>
-            </a:extLst>
-          </p:cNvPr>
-          <p:cNvSpPr txBox="1"/>
+              <a:t>KRAFTON JUNGLE</a:t>
+            </a:r>
+            <a:endParaRPr lang="ko-KR" altLang="en-US" dirty="0">
+              <a:solidFill>
+                <a:schemeClr val="tx1">
+                  <a:lumMod val="65000"/>
+                  <a:lumOff val="35000"/>
+                </a:schemeClr>
+              </a:solidFill>
+              <a:latin typeface="Noto Sans KR Regular" panose="020B0500000000000000" pitchFamily="34" charset="-127"/>
+              <a:ea typeface="Noto Sans KR Regular" panose="020B0500000000000000" pitchFamily="34" charset="-127"/>
+            </a:endParaRPr>
+          </a:p>
+        </p:txBody>
+      </p:sp>
+      <p:sp>
+        <p:nvSpPr>
+          <p:cNvPr id="6" name="제목 1">
+            <a:extLst>
+              <a:ext uri="{FF2B5EF4-FFF2-40B4-BE49-F238E27FC236}">
+                <a16:creationId xmlns:a16="http://schemas.microsoft.com/office/drawing/2014/main" id="{79FEDA7B-65B3-005A-7F02-D376BD3ECD69}"/>
+              </a:ext>
+            </a:extLst>
+          </p:cNvPr>
+          <p:cNvSpPr txBox="1">
+            <a:spLocks/>
+          </p:cNvSpPr>
           <p:nvPr/>
         </p:nvSpPr>
         <p:spPr>
           <a:xfrm>
-            <a:off x="2367433" y="3840480"/>
-            <a:ext cx="406400" cy="369332"/>
-          </a:xfrm>
-          <a:prstGeom prst="rect">
-            <a:avLst/>
-          </a:prstGeom>
-          <a:noFill/>
-        </p:spPr>
-        <p:txBody>
-          <a:bodyPr wrap="square" rtlCol="0">
-            <a:spAutoFit/>
-          </a:bodyPr>
-          <a:lstStyle/>
-          <a:p>
-            <a:r>
-              <a:rPr lang="ko-KR" altLang="en-US" dirty="0">
-                <a:latin typeface="맑은 고딕" panose="020B0503020000020004" pitchFamily="50" charset="-127"/>
-                <a:ea typeface="맑은 고딕" panose="020B0503020000020004" pitchFamily="50" charset="-127"/>
-              </a:rPr>
-              <a:t>③</a:t>
-            </a:r>
-            <a:endParaRPr lang="ko-KR" altLang="en-US" dirty="0"/>
-          </a:p>
-        </p:txBody>
-      </p:sp>
-      <p:sp>
-        <p:nvSpPr>
-          <p:cNvPr id="9" name="TextBox 8">
-            <a:extLst>
-              <a:ext uri="{FF2B5EF4-FFF2-40B4-BE49-F238E27FC236}">
-                <a16:creationId xmlns:a16="http://schemas.microsoft.com/office/drawing/2014/main" id="{17F0AA9E-5F79-E172-428E-EC42E04543D6}"/>
-              </a:ext>
-            </a:extLst>
-          </p:cNvPr>
-          <p:cNvSpPr txBox="1"/>
-          <p:nvPr/>
-        </p:nvSpPr>
-        <p:spPr>
-          <a:xfrm>
-            <a:off x="2367433" y="2388791"/>
-            <a:ext cx="406400" cy="369332"/>
-          </a:xfrm>
-          <a:prstGeom prst="rect">
-            <a:avLst/>
-          </a:prstGeom>
-          <a:noFill/>
-        </p:spPr>
-        <p:txBody>
-          <a:bodyPr wrap="square" rtlCol="0">
-            <a:spAutoFit/>
-          </a:bodyPr>
-          <a:lstStyle/>
-          <a:p>
-            <a:r>
-              <a:rPr lang="ko-KR" altLang="en-US" dirty="0">
-                <a:latin typeface="맑은 고딕" panose="020B0503020000020004" pitchFamily="50" charset="-127"/>
-                <a:ea typeface="맑은 고딕" panose="020B0503020000020004" pitchFamily="50" charset="-127"/>
-              </a:rPr>
-              <a:t>②</a:t>
-            </a:r>
-            <a:endParaRPr lang="ko-KR" altLang="en-US" dirty="0"/>
-          </a:p>
-        </p:txBody>
-      </p:sp>
-      <p:sp>
-        <p:nvSpPr>
-          <p:cNvPr id="10" name="TextBox 9">
-            <a:extLst>
-              <a:ext uri="{FF2B5EF4-FFF2-40B4-BE49-F238E27FC236}">
-                <a16:creationId xmlns:a16="http://schemas.microsoft.com/office/drawing/2014/main" id="{BD0CFA14-BBDA-6F0D-FB2D-7DB9B77DB11D}"/>
-              </a:ext>
-            </a:extLst>
-          </p:cNvPr>
-          <p:cNvSpPr txBox="1"/>
-          <p:nvPr/>
-        </p:nvSpPr>
-        <p:spPr>
-          <a:xfrm>
-            <a:off x="4904739" y="1580158"/>
-            <a:ext cx="406400" cy="369332"/>
-          </a:xfrm>
-          <a:prstGeom prst="rect">
-            <a:avLst/>
-          </a:prstGeom>
-          <a:noFill/>
-        </p:spPr>
-        <p:txBody>
-          <a:bodyPr wrap="square" rtlCol="0">
-            <a:spAutoFit/>
-          </a:bodyPr>
-          <a:lstStyle/>
-          <a:p>
-            <a:r>
-              <a:rPr lang="ko-KR" altLang="en-US" dirty="0">
-                <a:latin typeface="맑은 고딕" panose="020B0503020000020004" pitchFamily="50" charset="-127"/>
-                <a:ea typeface="맑은 고딕" panose="020B0503020000020004" pitchFamily="50" charset="-127"/>
-              </a:rPr>
-              <a:t>④</a:t>
-            </a:r>
-            <a:endParaRPr lang="ko-KR" altLang="en-US" dirty="0"/>
-          </a:p>
-        </p:txBody>
-      </p:sp>
-    </p:spTree>
-    <p:extLst>
-      <p:ext uri="{BB962C8B-B14F-4D97-AF65-F5344CB8AC3E}">
-        <p14:creationId xmlns:p14="http://schemas.microsoft.com/office/powerpoint/2010/main" val="758453257"/>
-      </p:ext>
-    </p:extLst>
-  </p:cSld>
-  <p:clrMapOvr>
-    <a:masterClrMapping/>
-  </p:clrMapOvr>
-</p:sld>
-</file>
-
-<file path=ppt/slides/slide6.xml><?xml version="1.0" encoding="utf-8"?>
-<p:sld xmlns:a="http://schemas.openxmlformats.org/drawingml/2006/main" xmlns:r="http://schemas.openxmlformats.org/officeDocument/2006/relationships" xmlns:p="http://schemas.openxmlformats.org/presentationml/2006/main">
-  <p:cSld>
-    <p:bg>
-      <p:bgPr>
-        <a:solidFill>
-          <a:schemeClr val="bg1">
-            <a:lumMod val="95000"/>
-          </a:schemeClr>
-        </a:solidFill>
-        <a:effectLst/>
-      </p:bgPr>
-    </p:bg>
-    <p:spTree>
-      <p:nvGrpSpPr>
-        <p:cNvPr id="1" name=""/>
-        <p:cNvGrpSpPr/>
-        <p:nvPr/>
-      </p:nvGrpSpPr>
-      <p:grpSpPr>
-        <a:xfrm>
-          <a:off x="0" y="0"/>
-          <a:ext cx="0" cy="0"/>
-          <a:chOff x="0" y="0"/>
-          <a:chExt cx="0" cy="0"/>
-        </a:xfrm>
-      </p:grpSpPr>
-      <p:sp>
-        <p:nvSpPr>
-          <p:cNvPr id="2" name="제목 1">
-            <a:extLst>
-              <a:ext uri="{FF2B5EF4-FFF2-40B4-BE49-F238E27FC236}">
-                <a16:creationId xmlns:a16="http://schemas.microsoft.com/office/drawing/2014/main" id="{4E5A0D3C-2C1B-1AB2-075D-5297DBE48FBD}"/>
-              </a:ext>
-            </a:extLst>
-          </p:cNvPr>
-          <p:cNvSpPr>
-            <a:spLocks noGrp="1"/>
-          </p:cNvSpPr>
-          <p:nvPr>
-            <p:ph type="title"/>
-          </p:nvPr>
-        </p:nvSpPr>
-        <p:spPr/>
-        <p:txBody>
-          <a:bodyPr/>
-          <a:lstStyle/>
-          <a:p>
-            <a:r>
-              <a:rPr lang="ko-KR" altLang="en-US" dirty="0"/>
-              <a:t>기능구현</a:t>
-            </a:r>
-          </a:p>
-        </p:txBody>
-      </p:sp>
-      <p:sp>
-        <p:nvSpPr>
-          <p:cNvPr id="8" name="TextBox 7">
-            <a:extLst>
-              <a:ext uri="{FF2B5EF4-FFF2-40B4-BE49-F238E27FC236}">
-                <a16:creationId xmlns:a16="http://schemas.microsoft.com/office/drawing/2014/main" id="{387A6C4A-9F26-9DB3-6655-873068581FAB}"/>
-              </a:ext>
-            </a:extLst>
-          </p:cNvPr>
-          <p:cNvSpPr txBox="1"/>
-          <p:nvPr/>
-        </p:nvSpPr>
-        <p:spPr>
-          <a:xfrm>
-            <a:off x="6606694" y="2763262"/>
-            <a:ext cx="5463385" cy="338554"/>
-          </a:xfrm>
-          <a:prstGeom prst="rect">
-            <a:avLst/>
-          </a:prstGeom>
-          <a:noFill/>
-        </p:spPr>
-        <p:txBody>
-          <a:bodyPr wrap="square" rtlCol="0">
-            <a:spAutoFit/>
-          </a:bodyPr>
-          <a:lstStyle/>
-          <a:p>
-            <a:pPr marL="285750" indent="-285750">
-              <a:buFontTx/>
-              <a:buChar char="-"/>
-            </a:pPr>
-            <a:r>
-              <a:rPr lang="ko-KR" altLang="en-US" sz="1600" dirty="0"/>
-              <a:t>새로운 옷의 이미지와 카테고리를 등록하는 기능</a:t>
-            </a:r>
-            <a:endParaRPr lang="en-US" altLang="ko-KR" sz="1600" dirty="0"/>
-          </a:p>
-        </p:txBody>
-      </p:sp>
-      <p:pic>
-        <p:nvPicPr>
-          <p:cNvPr id="7" name="그림 6">
-            <a:extLst>
-              <a:ext uri="{FF2B5EF4-FFF2-40B4-BE49-F238E27FC236}">
-                <a16:creationId xmlns:a16="http://schemas.microsoft.com/office/drawing/2014/main" id="{86B031DF-E9B2-6B59-AC24-4A3B25A70578}"/>
-              </a:ext>
-            </a:extLst>
-          </p:cNvPr>
-          <p:cNvPicPr>
-            <a:picLocks noChangeAspect="1"/>
-          </p:cNvPicPr>
-          <p:nvPr/>
-        </p:nvPicPr>
-        <p:blipFill>
-          <a:blip r:embed="rId2">
-            <a:extLst>
-              <a:ext uri="{28A0092B-C50C-407E-A947-70E740481C1C}">
-                <a14:useLocalDpi xmlns:a14="http://schemas.microsoft.com/office/drawing/2010/main" val="0"/>
-              </a:ext>
-            </a:extLst>
-          </a:blip>
-          <a:stretch>
-            <a:fillRect/>
-          </a:stretch>
-        </p:blipFill>
-        <p:spPr>
-          <a:xfrm>
-            <a:off x="426720" y="1905000"/>
-            <a:ext cx="6096000" cy="3048000"/>
+            <a:off x="206478" y="137652"/>
+            <a:ext cx="2733367" cy="875071"/>
           </a:xfrm>
           <a:prstGeom prst="rect">
             <a:avLst/>
           </a:prstGeom>
         </p:spPr>
-      </p:pic>
+        <p:txBody>
+          <a:bodyPr vert="horz" lIns="91440" tIns="45720" rIns="91440" bIns="45720" rtlCol="0" anchor="ctr">
+            <a:normAutofit/>
+          </a:bodyPr>
+          <a:lstStyle>
+            <a:lvl1pPr algn="l" defTabSz="914400" rtl="0" eaLnBrk="1" latinLnBrk="1" hangingPunct="1">
+              <a:lnSpc>
+                <a:spcPct val="90000"/>
+              </a:lnSpc>
+              <a:spcBef>
+                <a:spcPct val="0"/>
+              </a:spcBef>
+              <a:buNone/>
+              <a:defRPr sz="4400" kern="1200">
+                <a:solidFill>
+                  <a:schemeClr val="tx1"/>
+                </a:solidFill>
+                <a:latin typeface="+mj-lt"/>
+                <a:ea typeface="+mj-ea"/>
+                <a:cs typeface="+mj-cs"/>
+              </a:defRPr>
+            </a:lvl1pPr>
+          </a:lstStyle>
+          <a:p>
+            <a:r>
+              <a:rPr lang="ko-KR" altLang="en-US" sz="3600" dirty="0">
+                <a:latin typeface="Noto Sans KR Regular" panose="020B0500000000000000" pitchFamily="34" charset="-127"/>
+                <a:ea typeface="Noto Sans KR Regular" panose="020B0500000000000000" pitchFamily="34" charset="-127"/>
+              </a:rPr>
+              <a:t>기능구현 </a:t>
+            </a:r>
+            <a:r>
+              <a:rPr lang="en-US" altLang="ko-KR" sz="3600" dirty="0">
+                <a:latin typeface="Noto Sans KR Regular" panose="020B0500000000000000" pitchFamily="34" charset="-127"/>
+                <a:ea typeface="Noto Sans KR Regular" panose="020B0500000000000000" pitchFamily="34" charset="-127"/>
+              </a:rPr>
+              <a:t>(3)</a:t>
+            </a:r>
+            <a:endParaRPr lang="ko-KR" altLang="en-US" sz="3600" dirty="0">
+              <a:latin typeface="Noto Sans KR Regular" panose="020B0500000000000000" pitchFamily="34" charset="-127"/>
+              <a:ea typeface="Noto Sans KR Regular" panose="020B0500000000000000" pitchFamily="34" charset="-127"/>
+            </a:endParaRPr>
+          </a:p>
+        </p:txBody>
+      </p:sp>
     </p:spTree>
     <p:extLst>
       <p:ext uri="{BB962C8B-B14F-4D97-AF65-F5344CB8AC3E}">

--- a/기획/OOTD.pptx
+++ b/기획/OOTD.pptx
@@ -263,7 +263,7 @@
           <a:p>
             <a:fld id="{EDF63D0B-5836-4D40-837A-67B11A929B1E}" type="datetimeFigureOut">
               <a:rPr lang="ko-KR" altLang="en-US" smtClean="0"/>
-              <a:t>2022-10-24</a:t>
+              <a:t>2022-10-25</a:t>
             </a:fld>
             <a:endParaRPr lang="ko-KR" altLang="en-US"/>
           </a:p>
@@ -461,7 +461,7 @@
           <a:p>
             <a:fld id="{EDF63D0B-5836-4D40-837A-67B11A929B1E}" type="datetimeFigureOut">
               <a:rPr lang="ko-KR" altLang="en-US" smtClean="0"/>
-              <a:t>2022-10-24</a:t>
+              <a:t>2022-10-25</a:t>
             </a:fld>
             <a:endParaRPr lang="ko-KR" altLang="en-US"/>
           </a:p>
@@ -669,7 +669,7 @@
           <a:p>
             <a:fld id="{EDF63D0B-5836-4D40-837A-67B11A929B1E}" type="datetimeFigureOut">
               <a:rPr lang="ko-KR" altLang="en-US" smtClean="0"/>
-              <a:t>2022-10-24</a:t>
+              <a:t>2022-10-25</a:t>
             </a:fld>
             <a:endParaRPr lang="ko-KR" altLang="en-US"/>
           </a:p>
@@ -867,7 +867,7 @@
           <a:p>
             <a:fld id="{EDF63D0B-5836-4D40-837A-67B11A929B1E}" type="datetimeFigureOut">
               <a:rPr lang="ko-KR" altLang="en-US" smtClean="0"/>
-              <a:t>2022-10-24</a:t>
+              <a:t>2022-10-25</a:t>
             </a:fld>
             <a:endParaRPr lang="ko-KR" altLang="en-US"/>
           </a:p>
@@ -1142,7 +1142,7 @@
           <a:p>
             <a:fld id="{EDF63D0B-5836-4D40-837A-67B11A929B1E}" type="datetimeFigureOut">
               <a:rPr lang="ko-KR" altLang="en-US" smtClean="0"/>
-              <a:t>2022-10-24</a:t>
+              <a:t>2022-10-25</a:t>
             </a:fld>
             <a:endParaRPr lang="ko-KR" altLang="en-US"/>
           </a:p>
@@ -1407,7 +1407,7 @@
           <a:p>
             <a:fld id="{EDF63D0B-5836-4D40-837A-67B11A929B1E}" type="datetimeFigureOut">
               <a:rPr lang="ko-KR" altLang="en-US" smtClean="0"/>
-              <a:t>2022-10-24</a:t>
+              <a:t>2022-10-25</a:t>
             </a:fld>
             <a:endParaRPr lang="ko-KR" altLang="en-US"/>
           </a:p>
@@ -1819,7 +1819,7 @@
           <a:p>
             <a:fld id="{EDF63D0B-5836-4D40-837A-67B11A929B1E}" type="datetimeFigureOut">
               <a:rPr lang="ko-KR" altLang="en-US" smtClean="0"/>
-              <a:t>2022-10-24</a:t>
+              <a:t>2022-10-25</a:t>
             </a:fld>
             <a:endParaRPr lang="ko-KR" altLang="en-US"/>
           </a:p>
@@ -1960,7 +1960,7 @@
           <a:p>
             <a:fld id="{EDF63D0B-5836-4D40-837A-67B11A929B1E}" type="datetimeFigureOut">
               <a:rPr lang="ko-KR" altLang="en-US" smtClean="0"/>
-              <a:t>2022-10-24</a:t>
+              <a:t>2022-10-25</a:t>
             </a:fld>
             <a:endParaRPr lang="ko-KR" altLang="en-US"/>
           </a:p>
@@ -2073,7 +2073,7 @@
           <a:p>
             <a:fld id="{EDF63D0B-5836-4D40-837A-67B11A929B1E}" type="datetimeFigureOut">
               <a:rPr lang="ko-KR" altLang="en-US" smtClean="0"/>
-              <a:t>2022-10-24</a:t>
+              <a:t>2022-10-25</a:t>
             </a:fld>
             <a:endParaRPr lang="ko-KR" altLang="en-US"/>
           </a:p>
@@ -2384,7 +2384,7 @@
           <a:p>
             <a:fld id="{EDF63D0B-5836-4D40-837A-67B11A929B1E}" type="datetimeFigureOut">
               <a:rPr lang="ko-KR" altLang="en-US" smtClean="0"/>
-              <a:t>2022-10-24</a:t>
+              <a:t>2022-10-25</a:t>
             </a:fld>
             <a:endParaRPr lang="ko-KR" altLang="en-US"/>
           </a:p>
@@ -2672,7 +2672,7 @@
           <a:p>
             <a:fld id="{EDF63D0B-5836-4D40-837A-67B11A929B1E}" type="datetimeFigureOut">
               <a:rPr lang="ko-KR" altLang="en-US" smtClean="0"/>
-              <a:t>2022-10-24</a:t>
+              <a:t>2022-10-25</a:t>
             </a:fld>
             <a:endParaRPr lang="ko-KR" altLang="en-US"/>
           </a:p>
@@ -2913,7 +2913,7 @@
           <a:p>
             <a:fld id="{EDF63D0B-5836-4D40-837A-67B11A929B1E}" type="datetimeFigureOut">
               <a:rPr lang="ko-KR" altLang="en-US" smtClean="0"/>
-              <a:t>2022-10-24</a:t>
+              <a:t>2022-10-25</a:t>
             </a:fld>
             <a:endParaRPr lang="ko-KR" altLang="en-US"/>
           </a:p>
@@ -4022,7 +4022,7 @@
                 <a:latin typeface="Noto Sans KR Regular" panose="020B0500000000000000" pitchFamily="34" charset="-127"/>
                 <a:ea typeface="Noto Sans KR Regular" panose="020B0500000000000000" pitchFamily="34" charset="-127"/>
               </a:rPr>
-              <a:t>기능구현 </a:t>
+              <a:t>기능소개 </a:t>
             </a:r>
             <a:r>
               <a:rPr lang="en-US" altLang="ko-KR" sz="3600" dirty="0">
@@ -4637,7 +4637,7 @@
                 <a:latin typeface="Noto Sans KR Regular" panose="020B0500000000000000" pitchFamily="34" charset="-127"/>
                 <a:ea typeface="Noto Sans KR Regular" panose="020B0500000000000000" pitchFamily="34" charset="-127"/>
               </a:rPr>
-              <a:t>기능구현 </a:t>
+              <a:t>기능소개 </a:t>
             </a:r>
             <a:r>
               <a:rPr lang="en-US" altLang="ko-KR" sz="3600" dirty="0">
@@ -4918,7 +4918,7 @@
                 <a:latin typeface="Noto Sans KR Regular" panose="020B0500000000000000" pitchFamily="34" charset="-127"/>
                 <a:ea typeface="Noto Sans KR Regular" panose="020B0500000000000000" pitchFamily="34" charset="-127"/>
               </a:rPr>
-              <a:t>기능구현 </a:t>
+              <a:t>기능소개 </a:t>
             </a:r>
             <a:r>
               <a:rPr lang="en-US" altLang="ko-KR" sz="3600" dirty="0">
